--- a/Demo/[PPT] Level 2 Submission_MetaCommerce_Challenge (GRiD 4.0).pptx
+++ b/Demo/[PPT] Level 2 Submission_MetaCommerce_Challenge (GRiD 4.0).pptx
@@ -6,40 +6,39 @@
     <p:sldMasterId id="2147483660" r:id="rId2"/>
   </p:sldMasterIdLst>
   <p:notesMasterIdLst>
-    <p:notesMasterId r:id="rId17"/>
+    <p:notesMasterId r:id="rId16"/>
   </p:notesMasterIdLst>
   <p:sldIdLst>
     <p:sldId id="256" r:id="rId3"/>
     <p:sldId id="257" r:id="rId4"/>
     <p:sldId id="258" r:id="rId5"/>
     <p:sldId id="259" r:id="rId6"/>
-    <p:sldId id="260" r:id="rId7"/>
-    <p:sldId id="266" r:id="rId8"/>
-    <p:sldId id="271" r:id="rId9"/>
-    <p:sldId id="261" r:id="rId10"/>
-    <p:sldId id="267" r:id="rId11"/>
-    <p:sldId id="262" r:id="rId12"/>
-    <p:sldId id="268" r:id="rId13"/>
-    <p:sldId id="270" r:id="rId14"/>
-    <p:sldId id="263" r:id="rId15"/>
-    <p:sldId id="264" r:id="rId16"/>
+    <p:sldId id="266" r:id="rId7"/>
+    <p:sldId id="271" r:id="rId8"/>
+    <p:sldId id="261" r:id="rId9"/>
+    <p:sldId id="267" r:id="rId10"/>
+    <p:sldId id="262" r:id="rId11"/>
+    <p:sldId id="268" r:id="rId12"/>
+    <p:sldId id="270" r:id="rId13"/>
+    <p:sldId id="263" r:id="rId14"/>
+    <p:sldId id="264" r:id="rId15"/>
   </p:sldIdLst>
   <p:sldSz cx="9144000" cy="5143500" type="screen16x9"/>
   <p:notesSz cx="6858000" cy="9144000"/>
   <p:embeddedFontLst>
     <p:embeddedFont>
       <p:font typeface="Proxima Nova" panose="020B0604020202020204" charset="0"/>
-      <p:regular r:id="rId18"/>
-      <p:bold r:id="rId19"/>
-      <p:italic r:id="rId20"/>
-      <p:boldItalic r:id="rId21"/>
+      <p:regular r:id="rId17"/>
+      <p:bold r:id="rId18"/>
+      <p:italic r:id="rId19"/>
+      <p:boldItalic r:id="rId20"/>
     </p:embeddedFont>
     <p:embeddedFont>
       <p:font typeface="Roboto Mono" panose="020B0604020202020204" charset="0"/>
-      <p:regular r:id="rId22"/>
-      <p:bold r:id="rId23"/>
-      <p:italic r:id="rId24"/>
-      <p:boldItalic r:id="rId25"/>
+      <p:regular r:id="rId21"/>
+      <p:bold r:id="rId22"/>
+      <p:italic r:id="rId23"/>
+      <p:boldItalic r:id="rId24"/>
     </p:embeddedFont>
   </p:embeddedFontLst>
   <p:defaultTextStyle>
@@ -287,7 +286,7 @@
       </p15:sldGuideLst>
     </p:ext>
     <p:ext uri="http://customooxmlschemas.google.com/">
-      <go:slidesCustomData xmlns:go="http://customooxmlschemas.google.com/" xmlns:ahyp="http://schemas.microsoft.com/office/drawing/2018/hyperlinkcolor" xmlns:p15="http://schemas.microsoft.com/office/powerpoint/2012/main" xmlns:p14="http://schemas.microsoft.com/office/powerpoint/2010/main" xmlns:com="http://schemas.openxmlformats.org/drawingml/2006/compatibility" xmlns:pvml="urn:schemas-microsoft-com:office:powerpoint" xmlns:v="urn:schemas-microsoft-com:vml" xmlns:o="urn:schemas-microsoft-com:office:office" xmlns:dgm="http://schemas.openxmlformats.org/drawingml/2006/diagram" xmlns:c="http://schemas.openxmlformats.org/drawingml/2006/chart" xmlns:mv="urn:schemas-microsoft-com:mac:vml" xmlns:mc="http://schemas.openxmlformats.org/markup-compatibility/2006" xmlns="" r:id="rId29" roundtripDataSignature="AMtx7mhcH+ziFyQMz8tCyckktqEP1O4SbQ=="/>
+      <go:slidesCustomData xmlns="" xmlns:mc="http://schemas.openxmlformats.org/markup-compatibility/2006" xmlns:mv="urn:schemas-microsoft-com:mac:vml" xmlns:c="http://schemas.openxmlformats.org/drawingml/2006/chart" xmlns:dgm="http://schemas.openxmlformats.org/drawingml/2006/diagram" xmlns:o="urn:schemas-microsoft-com:office:office" xmlns:v="urn:schemas-microsoft-com:vml" xmlns:pvml="urn:schemas-microsoft-com:office:powerpoint" xmlns:com="http://schemas.openxmlformats.org/drawingml/2006/compatibility" xmlns:p14="http://schemas.microsoft.com/office/powerpoint/2010/main" xmlns:p15="http://schemas.microsoft.com/office/powerpoint/2012/main" xmlns:ahyp="http://schemas.microsoft.com/office/drawing/2018/hyperlinkcolor" xmlns:go="http://customooxmlschemas.google.com/" r:id="rId29" roundtripDataSignature="AMtx7mhcH+ziFyQMz8tCyckktqEP1O4SbQ=="/>
     </p:ext>
   </p:extLst>
 </p:presentation>
@@ -973,128 +972,6 @@
 </p:notes>
 </file>
 
-<file path=ppt/notesSlides/notesSlide10.xml><?xml version="1.0" encoding="utf-8"?>
-<p:notes xmlns:a="http://schemas.openxmlformats.org/drawingml/2006/main" xmlns:r="http://schemas.openxmlformats.org/officeDocument/2006/relationships" xmlns:p="http://schemas.openxmlformats.org/presentationml/2006/main" showMasterSp="0" showMasterPhAnim="0">
-  <p:cSld>
-    <p:spTree>
-      <p:nvGrpSpPr>
-        <p:cNvPr id="1" name="Shape 146"/>
-        <p:cNvGrpSpPr/>
-        <p:nvPr/>
-      </p:nvGrpSpPr>
-      <p:grpSpPr>
-        <a:xfrm>
-          <a:off x="0" y="0"/>
-          <a:ext cx="0" cy="0"/>
-          <a:chOff x="0" y="0"/>
-          <a:chExt cx="0" cy="0"/>
-        </a:xfrm>
-      </p:grpSpPr>
-      <p:sp>
-        <p:nvSpPr>
-          <p:cNvPr id="147" name="Google Shape;147;p9:notes"/>
-          <p:cNvSpPr>
-            <a:spLocks noGrp="1" noRot="1" noChangeAspect="1"/>
-          </p:cNvSpPr>
-          <p:nvPr>
-            <p:ph type="sldImg" idx="2"/>
-          </p:nvPr>
-        </p:nvSpPr>
-        <p:spPr>
-          <a:xfrm>
-            <a:off x="381000" y="685800"/>
-            <a:ext cx="6096000" cy="3429000"/>
-          </a:xfrm>
-          <a:custGeom>
-            <a:avLst/>
-            <a:gdLst/>
-            <a:ahLst/>
-            <a:cxnLst/>
-            <a:rect l="l" t="t" r="r" b="b"/>
-            <a:pathLst>
-              <a:path w="120000" h="120000" extrusionOk="0">
-                <a:moveTo>
-                  <a:pt x="0" y="0"/>
-                </a:moveTo>
-                <a:lnTo>
-                  <a:pt x="120000" y="0"/>
-                </a:lnTo>
-                <a:lnTo>
-                  <a:pt x="120000" y="120000"/>
-                </a:lnTo>
-                <a:lnTo>
-                  <a:pt x="0" y="120000"/>
-                </a:lnTo>
-                <a:close/>
-              </a:path>
-            </a:pathLst>
-          </a:custGeom>
-          <a:noFill/>
-          <a:ln w="9525" cap="flat" cmpd="sng">
-            <a:solidFill>
-              <a:srgbClr val="000000"/>
-            </a:solidFill>
-            <a:prstDash val="solid"/>
-            <a:round/>
-            <a:headEnd type="none" w="sm" len="sm"/>
-            <a:tailEnd type="none" w="sm" len="sm"/>
-          </a:ln>
-        </p:spPr>
-      </p:sp>
-      <p:sp>
-        <p:nvSpPr>
-          <p:cNvPr id="148" name="Google Shape;148;p9:notes"/>
-          <p:cNvSpPr txBox="1">
-            <a:spLocks noGrp="1"/>
-          </p:cNvSpPr>
-          <p:nvPr>
-            <p:ph type="body" idx="1"/>
-          </p:nvPr>
-        </p:nvSpPr>
-        <p:spPr>
-          <a:xfrm>
-            <a:off x="685800" y="4343400"/>
-            <a:ext cx="5486400" cy="4114800"/>
-          </a:xfrm>
-          <a:prstGeom prst="rect">
-            <a:avLst/>
-          </a:prstGeom>
-          <a:noFill/>
-          <a:ln>
-            <a:noFill/>
-          </a:ln>
-        </p:spPr>
-        <p:txBody>
-          <a:bodyPr spcFirstLastPara="1" wrap="square" lIns="91425" tIns="91425" rIns="91425" bIns="91425" anchor="t" anchorCtr="0">
-            <a:noAutofit/>
-          </a:bodyPr>
-          <a:lstStyle/>
-          <a:p>
-            <a:pPr marL="0" lvl="0" indent="0" algn="l" rtl="0">
-              <a:lnSpc>
-                <a:spcPct val="100000"/>
-              </a:lnSpc>
-              <a:spcBef>
-                <a:spcPts val="0"/>
-              </a:spcBef>
-              <a:spcAft>
-                <a:spcPts val="0"/>
-              </a:spcAft>
-              <a:buSzPts val="1100"/>
-              <a:buNone/>
-            </a:pPr>
-            <a:endParaRPr dirty="0"/>
-          </a:p>
-        </p:txBody>
-      </p:sp>
-    </p:spTree>
-  </p:cSld>
-  <p:clrMapOvr>
-    <a:masterClrMapping/>
-  </p:clrMapOvr>
-</p:notes>
-</file>
-
 <file path=ppt/notesSlides/notesSlide2.xml><?xml version="1.0" encoding="utf-8"?>
 <p:notes xmlns:a="http://schemas.openxmlformats.org/drawingml/2006/main" xmlns:r="http://schemas.openxmlformats.org/officeDocument/2006/relationships" xmlns:p="http://schemas.openxmlformats.org/presentationml/2006/main" showMasterSp="0" showMasterPhAnim="0">
   <p:cSld>
@@ -1466,7 +1343,7 @@
   <p:cSld>
     <p:spTree>
       <p:nvGrpSpPr>
-        <p:cNvPr id="1" name="Shape 119"/>
+        <p:cNvPr id="1" name="Shape 125"/>
         <p:cNvGrpSpPr/>
         <p:nvPr/>
       </p:nvGrpSpPr>
@@ -1480,7 +1357,7 @@
       </p:grpSpPr>
       <p:sp>
         <p:nvSpPr>
-          <p:cNvPr id="120" name="Google Shape;120;p5:notes"/>
+          <p:cNvPr id="126" name="Google Shape;126;p6:notes"/>
           <p:cNvSpPr>
             <a:spLocks noGrp="1" noRot="1" noChangeAspect="1"/>
           </p:cNvSpPr>
@@ -1490,7 +1367,7 @@
         </p:nvSpPr>
         <p:spPr>
           <a:xfrm>
-            <a:off x="381300" y="685800"/>
+            <a:off x="381000" y="685800"/>
             <a:ext cx="6096000" cy="3429000"/>
           </a:xfrm>
           <a:custGeom>
@@ -1531,7 +1408,7 @@
       </p:sp>
       <p:sp>
         <p:nvSpPr>
-          <p:cNvPr id="121" name="Google Shape;121;p5:notes"/>
+          <p:cNvPr id="127" name="Google Shape;127;p6:notes"/>
           <p:cNvSpPr txBox="1">
             <a:spLocks noGrp="1"/>
           </p:cNvSpPr>
@@ -1558,6 +1435,142 @@
           </a:bodyPr>
           <a:lstStyle/>
           <a:p>
+            <a:pPr marL="457200" marR="0" lvl="0" indent="-304800" algn="l" rtl="0">
+              <a:lnSpc>
+                <a:spcPct val="100000"/>
+              </a:lnSpc>
+              <a:spcBef>
+                <a:spcPts val="0"/>
+              </a:spcBef>
+              <a:spcAft>
+                <a:spcPts val="0"/>
+              </a:spcAft>
+              <a:buClr>
+                <a:srgbClr val="000000"/>
+              </a:buClr>
+              <a:buSzPts val="1200"/>
+              <a:buFont typeface="Roboto Mono"/>
+              <a:buChar char="●"/>
+            </a:pPr>
+            <a:r>
+              <a:rPr lang="en" sz="1100" b="0" i="0" u="none" strike="noStrike" cap="none" dirty="0">
+                <a:solidFill>
+                  <a:srgbClr val="000000"/>
+                </a:solidFill>
+                <a:latin typeface="Roboto Mono"/>
+                <a:ea typeface="Roboto Mono"/>
+                <a:cs typeface="Roboto Mono"/>
+                <a:sym typeface="Roboto Mono"/>
+              </a:rPr>
+              <a:t>To allow users to buy products in a real – life shopping mall environment virtually</a:t>
+            </a:r>
+          </a:p>
+          <a:p>
+            <a:pPr marL="457200" marR="0" lvl="0" indent="-304800" algn="l" rtl="0">
+              <a:lnSpc>
+                <a:spcPct val="100000"/>
+              </a:lnSpc>
+              <a:spcBef>
+                <a:spcPts val="0"/>
+              </a:spcBef>
+              <a:spcAft>
+                <a:spcPts val="0"/>
+              </a:spcAft>
+              <a:buClr>
+                <a:srgbClr val="000000"/>
+              </a:buClr>
+              <a:buSzPts val="1200"/>
+              <a:buFont typeface="Roboto Mono"/>
+              <a:buChar char="●"/>
+            </a:pPr>
+            <a:r>
+              <a:rPr lang="en" sz="1100" dirty="0">
+                <a:latin typeface="Roboto Mono"/>
+                <a:ea typeface="Roboto Mono"/>
+                <a:cs typeface="Roboto Mono"/>
+                <a:sym typeface="Roboto Mono"/>
+              </a:rPr>
+              <a:t>To show the users various products recommended to them, in a positional manner</a:t>
+            </a:r>
+          </a:p>
+          <a:p>
+            <a:pPr marL="457200" marR="0" lvl="0" indent="-304800" algn="l" rtl="0">
+              <a:lnSpc>
+                <a:spcPct val="100000"/>
+              </a:lnSpc>
+              <a:spcBef>
+                <a:spcPts val="0"/>
+              </a:spcBef>
+              <a:spcAft>
+                <a:spcPts val="0"/>
+              </a:spcAft>
+              <a:buClr>
+                <a:srgbClr val="000000"/>
+              </a:buClr>
+              <a:buSzPts val="1200"/>
+              <a:buFont typeface="Roboto Mono"/>
+              <a:buChar char="●"/>
+            </a:pPr>
+            <a:r>
+              <a:rPr lang="en" sz="1100" b="0" i="0" u="none" strike="noStrike" cap="none" dirty="0">
+                <a:solidFill>
+                  <a:srgbClr val="000000"/>
+                </a:solidFill>
+                <a:latin typeface="Roboto Mono"/>
+                <a:ea typeface="Roboto Mono"/>
+                <a:cs typeface="Roboto Mono"/>
+                <a:sym typeface="Roboto Mono"/>
+              </a:rPr>
+              <a:t>To allow for a virtual space where different users can meet an</a:t>
+            </a:r>
+            <a:r>
+              <a:rPr lang="en" sz="1100" dirty="0">
+                <a:latin typeface="Roboto Mono"/>
+                <a:ea typeface="Roboto Mono"/>
+                <a:cs typeface="Roboto Mono"/>
+                <a:sym typeface="Roboto Mono"/>
+              </a:rPr>
+              <a:t>d talk, both via text and via voice</a:t>
+            </a:r>
+          </a:p>
+          <a:p>
+            <a:pPr marL="457200" marR="0" lvl="0" indent="-304800" algn="l" rtl="0">
+              <a:lnSpc>
+                <a:spcPct val="100000"/>
+              </a:lnSpc>
+              <a:spcBef>
+                <a:spcPts val="0"/>
+              </a:spcBef>
+              <a:spcAft>
+                <a:spcPts val="0"/>
+              </a:spcAft>
+              <a:buClr>
+                <a:srgbClr val="000000"/>
+              </a:buClr>
+              <a:buSzPts val="1200"/>
+              <a:buFont typeface="Roboto Mono"/>
+              <a:buChar char="●"/>
+            </a:pPr>
+            <a:r>
+              <a:rPr lang="en-US" sz="1100" dirty="0">
+                <a:latin typeface="Roboto Mono"/>
+                <a:ea typeface="Roboto Mono"/>
+                <a:cs typeface="Roboto Mono"/>
+                <a:sym typeface="Roboto Mono"/>
+              </a:rPr>
+              <a:t>To elevate the user experience from static online shopping sites to real life virtual shopping malls</a:t>
+            </a:r>
+            <a:endParaRPr lang="en-US" sz="1100" b="0" i="0" u="none" strike="noStrike" cap="none" dirty="0">
+              <a:solidFill>
+                <a:srgbClr val="000000"/>
+              </a:solidFill>
+              <a:latin typeface="Roboto Mono"/>
+              <a:ea typeface="Roboto Mono"/>
+              <a:cs typeface="Roboto Mono"/>
+              <a:sym typeface="Roboto Mono"/>
+            </a:endParaRPr>
+          </a:p>
+          <a:p>
             <a:pPr marL="0" lvl="0" indent="0" algn="l" rtl="0">
               <a:lnSpc>
                 <a:spcPct val="100000"/>
@@ -1571,7 +1584,7 @@
               <a:buSzPts val="1100"/>
               <a:buNone/>
             </a:pPr>
-            <a:endParaRPr/>
+            <a:endParaRPr dirty="0"/>
           </a:p>
         </p:txBody>
       </p:sp>
@@ -1834,264 +1847,6 @@
         </p:txBody>
       </p:sp>
     </p:spTree>
-  </p:cSld>
-  <p:clrMapOvr>
-    <a:masterClrMapping/>
-  </p:clrMapOvr>
-</p:notes>
-</file>
-
-<file path=ppt/notesSlides/notesSlide7.xml><?xml version="1.0" encoding="utf-8"?>
-<p:notes xmlns:a="http://schemas.openxmlformats.org/drawingml/2006/main" xmlns:r="http://schemas.openxmlformats.org/officeDocument/2006/relationships" xmlns:p="http://schemas.openxmlformats.org/presentationml/2006/main" showMasterSp="0" showMasterPhAnim="0">
-  <p:cSld>
-    <p:spTree>
-      <p:nvGrpSpPr>
-        <p:cNvPr id="1" name="Shape 125"/>
-        <p:cNvGrpSpPr/>
-        <p:nvPr/>
-      </p:nvGrpSpPr>
-      <p:grpSpPr>
-        <a:xfrm>
-          <a:off x="0" y="0"/>
-          <a:ext cx="0" cy="0"/>
-          <a:chOff x="0" y="0"/>
-          <a:chExt cx="0" cy="0"/>
-        </a:xfrm>
-      </p:grpSpPr>
-      <p:sp>
-        <p:nvSpPr>
-          <p:cNvPr id="126" name="Google Shape;126;p6:notes"/>
-          <p:cNvSpPr>
-            <a:spLocks noGrp="1" noRot="1" noChangeAspect="1"/>
-          </p:cNvSpPr>
-          <p:nvPr>
-            <p:ph type="sldImg" idx="2"/>
-          </p:nvPr>
-        </p:nvSpPr>
-        <p:spPr>
-          <a:xfrm>
-            <a:off x="381000" y="685800"/>
-            <a:ext cx="6096000" cy="3429000"/>
-          </a:xfrm>
-          <a:custGeom>
-            <a:avLst/>
-            <a:gdLst/>
-            <a:ahLst/>
-            <a:cxnLst/>
-            <a:rect l="l" t="t" r="r" b="b"/>
-            <a:pathLst>
-              <a:path w="120000" h="120000" extrusionOk="0">
-                <a:moveTo>
-                  <a:pt x="0" y="0"/>
-                </a:moveTo>
-                <a:lnTo>
-                  <a:pt x="120000" y="0"/>
-                </a:lnTo>
-                <a:lnTo>
-                  <a:pt x="120000" y="120000"/>
-                </a:lnTo>
-                <a:lnTo>
-                  <a:pt x="0" y="120000"/>
-                </a:lnTo>
-                <a:close/>
-              </a:path>
-            </a:pathLst>
-          </a:custGeom>
-          <a:noFill/>
-          <a:ln w="9525" cap="flat" cmpd="sng">
-            <a:solidFill>
-              <a:srgbClr val="000000"/>
-            </a:solidFill>
-            <a:prstDash val="solid"/>
-            <a:round/>
-            <a:headEnd type="none" w="sm" len="sm"/>
-            <a:tailEnd type="none" w="sm" len="sm"/>
-          </a:ln>
-        </p:spPr>
-      </p:sp>
-      <p:sp>
-        <p:nvSpPr>
-          <p:cNvPr id="127" name="Google Shape;127;p6:notes"/>
-          <p:cNvSpPr txBox="1">
-            <a:spLocks noGrp="1"/>
-          </p:cNvSpPr>
-          <p:nvPr>
-            <p:ph type="body" idx="1"/>
-          </p:nvPr>
-        </p:nvSpPr>
-        <p:spPr>
-          <a:xfrm>
-            <a:off x="685800" y="4343400"/>
-            <a:ext cx="5486400" cy="4114800"/>
-          </a:xfrm>
-          <a:prstGeom prst="rect">
-            <a:avLst/>
-          </a:prstGeom>
-          <a:noFill/>
-          <a:ln>
-            <a:noFill/>
-          </a:ln>
-        </p:spPr>
-        <p:txBody>
-          <a:bodyPr spcFirstLastPara="1" wrap="square" lIns="91425" tIns="91425" rIns="91425" bIns="91425" anchor="t" anchorCtr="0">
-            <a:noAutofit/>
-          </a:bodyPr>
-          <a:lstStyle/>
-          <a:p>
-            <a:pPr marL="457200" marR="0" lvl="0" indent="-304800" algn="l" rtl="0">
-              <a:lnSpc>
-                <a:spcPct val="100000"/>
-              </a:lnSpc>
-              <a:spcBef>
-                <a:spcPts val="0"/>
-              </a:spcBef>
-              <a:spcAft>
-                <a:spcPts val="0"/>
-              </a:spcAft>
-              <a:buClr>
-                <a:srgbClr val="000000"/>
-              </a:buClr>
-              <a:buSzPts val="1200"/>
-              <a:buFont typeface="Roboto Mono"/>
-              <a:buChar char="●"/>
-            </a:pPr>
-            <a:r>
-              <a:rPr lang="en" sz="1100" b="0" i="0" u="none" strike="noStrike" cap="none" dirty="0">
-                <a:solidFill>
-                  <a:srgbClr val="000000"/>
-                </a:solidFill>
-                <a:latin typeface="Roboto Mono"/>
-                <a:ea typeface="Roboto Mono"/>
-                <a:cs typeface="Roboto Mono"/>
-                <a:sym typeface="Roboto Mono"/>
-              </a:rPr>
-              <a:t>To allow users to buy products in a real – life shopping mall environment virtually</a:t>
-            </a:r>
-          </a:p>
-          <a:p>
-            <a:pPr marL="457200" marR="0" lvl="0" indent="-304800" algn="l" rtl="0">
-              <a:lnSpc>
-                <a:spcPct val="100000"/>
-              </a:lnSpc>
-              <a:spcBef>
-                <a:spcPts val="0"/>
-              </a:spcBef>
-              <a:spcAft>
-                <a:spcPts val="0"/>
-              </a:spcAft>
-              <a:buClr>
-                <a:srgbClr val="000000"/>
-              </a:buClr>
-              <a:buSzPts val="1200"/>
-              <a:buFont typeface="Roboto Mono"/>
-              <a:buChar char="●"/>
-            </a:pPr>
-            <a:r>
-              <a:rPr lang="en" sz="1100" dirty="0">
-                <a:latin typeface="Roboto Mono"/>
-                <a:ea typeface="Roboto Mono"/>
-                <a:cs typeface="Roboto Mono"/>
-                <a:sym typeface="Roboto Mono"/>
-              </a:rPr>
-              <a:t>To show the users various products recommended to them, in a positional manner</a:t>
-            </a:r>
-          </a:p>
-          <a:p>
-            <a:pPr marL="457200" marR="0" lvl="0" indent="-304800" algn="l" rtl="0">
-              <a:lnSpc>
-                <a:spcPct val="100000"/>
-              </a:lnSpc>
-              <a:spcBef>
-                <a:spcPts val="0"/>
-              </a:spcBef>
-              <a:spcAft>
-                <a:spcPts val="0"/>
-              </a:spcAft>
-              <a:buClr>
-                <a:srgbClr val="000000"/>
-              </a:buClr>
-              <a:buSzPts val="1200"/>
-              <a:buFont typeface="Roboto Mono"/>
-              <a:buChar char="●"/>
-            </a:pPr>
-            <a:r>
-              <a:rPr lang="en" sz="1100" b="0" i="0" u="none" strike="noStrike" cap="none" dirty="0">
-                <a:solidFill>
-                  <a:srgbClr val="000000"/>
-                </a:solidFill>
-                <a:latin typeface="Roboto Mono"/>
-                <a:ea typeface="Roboto Mono"/>
-                <a:cs typeface="Roboto Mono"/>
-                <a:sym typeface="Roboto Mono"/>
-              </a:rPr>
-              <a:t>To allow for a virtual space where different users can meet an</a:t>
-            </a:r>
-            <a:r>
-              <a:rPr lang="en" sz="1100" dirty="0">
-                <a:latin typeface="Roboto Mono"/>
-                <a:ea typeface="Roboto Mono"/>
-                <a:cs typeface="Roboto Mono"/>
-                <a:sym typeface="Roboto Mono"/>
-              </a:rPr>
-              <a:t>d talk, both via text and via voice</a:t>
-            </a:r>
-          </a:p>
-          <a:p>
-            <a:pPr marL="457200" marR="0" lvl="0" indent="-304800" algn="l" rtl="0">
-              <a:lnSpc>
-                <a:spcPct val="100000"/>
-              </a:lnSpc>
-              <a:spcBef>
-                <a:spcPts val="0"/>
-              </a:spcBef>
-              <a:spcAft>
-                <a:spcPts val="0"/>
-              </a:spcAft>
-              <a:buClr>
-                <a:srgbClr val="000000"/>
-              </a:buClr>
-              <a:buSzPts val="1200"/>
-              <a:buFont typeface="Roboto Mono"/>
-              <a:buChar char="●"/>
-            </a:pPr>
-            <a:r>
-              <a:rPr lang="en-US" sz="1100" dirty="0">
-                <a:latin typeface="Roboto Mono"/>
-                <a:ea typeface="Roboto Mono"/>
-                <a:cs typeface="Roboto Mono"/>
-                <a:sym typeface="Roboto Mono"/>
-              </a:rPr>
-              <a:t>To elevate the user experience from static online shopping sites to real life virtual shopping malls</a:t>
-            </a:r>
-            <a:endParaRPr lang="en-US" sz="1100" b="0" i="0" u="none" strike="noStrike" cap="none" dirty="0">
-              <a:solidFill>
-                <a:srgbClr val="000000"/>
-              </a:solidFill>
-              <a:latin typeface="Roboto Mono"/>
-              <a:ea typeface="Roboto Mono"/>
-              <a:cs typeface="Roboto Mono"/>
-              <a:sym typeface="Roboto Mono"/>
-            </a:endParaRPr>
-          </a:p>
-          <a:p>
-            <a:pPr marL="0" lvl="0" indent="0" algn="l" rtl="0">
-              <a:lnSpc>
-                <a:spcPct val="100000"/>
-              </a:lnSpc>
-              <a:spcBef>
-                <a:spcPts val="0"/>
-              </a:spcBef>
-              <a:spcAft>
-                <a:spcPts val="0"/>
-              </a:spcAft>
-              <a:buSzPts val="1100"/>
-              <a:buNone/>
-            </a:pPr>
-            <a:endParaRPr dirty="0"/>
-          </a:p>
-        </p:txBody>
-      </p:sp>
-    </p:spTree>
     <p:extLst>
       <p:ext uri="{BB962C8B-B14F-4D97-AF65-F5344CB8AC3E}">
         <p14:creationId xmlns:p14="http://schemas.microsoft.com/office/powerpoint/2010/main" val="3687081778"/>
@@ -2104,7 +1859,7 @@
 </p:notes>
 </file>
 
-<file path=ppt/notesSlides/notesSlide8.xml><?xml version="1.0" encoding="utf-8"?>
+<file path=ppt/notesSlides/notesSlide7.xml><?xml version="1.0" encoding="utf-8"?>
 <p:notes xmlns:a="http://schemas.openxmlformats.org/drawingml/2006/main" xmlns:r="http://schemas.openxmlformats.org/officeDocument/2006/relationships" xmlns:p="http://schemas.openxmlformats.org/presentationml/2006/main" showMasterSp="0" showMasterPhAnim="0">
   <p:cSld>
     <p:spTree>
@@ -2226,7 +1981,7 @@
 </p:notes>
 </file>
 
-<file path=ppt/notesSlides/notesSlide9.xml><?xml version="1.0" encoding="utf-8"?>
+<file path=ppt/notesSlides/notesSlide8.xml><?xml version="1.0" encoding="utf-8"?>
 <p:notes xmlns:a="http://schemas.openxmlformats.org/drawingml/2006/main" xmlns:r="http://schemas.openxmlformats.org/officeDocument/2006/relationships" xmlns:p="http://schemas.openxmlformats.org/presentationml/2006/main" showMasterSp="0" showMasterPhAnim="0">
   <p:cSld>
     <p:spTree>
@@ -2337,6 +2092,128 @@
               <a:buNone/>
             </a:pPr>
             <a:endParaRPr/>
+          </a:p>
+        </p:txBody>
+      </p:sp>
+    </p:spTree>
+  </p:cSld>
+  <p:clrMapOvr>
+    <a:masterClrMapping/>
+  </p:clrMapOvr>
+</p:notes>
+</file>
+
+<file path=ppt/notesSlides/notesSlide9.xml><?xml version="1.0" encoding="utf-8"?>
+<p:notes xmlns:a="http://schemas.openxmlformats.org/drawingml/2006/main" xmlns:r="http://schemas.openxmlformats.org/officeDocument/2006/relationships" xmlns:p="http://schemas.openxmlformats.org/presentationml/2006/main" showMasterSp="0" showMasterPhAnim="0">
+  <p:cSld>
+    <p:spTree>
+      <p:nvGrpSpPr>
+        <p:cNvPr id="1" name="Shape 146"/>
+        <p:cNvGrpSpPr/>
+        <p:nvPr/>
+      </p:nvGrpSpPr>
+      <p:grpSpPr>
+        <a:xfrm>
+          <a:off x="0" y="0"/>
+          <a:ext cx="0" cy="0"/>
+          <a:chOff x="0" y="0"/>
+          <a:chExt cx="0" cy="0"/>
+        </a:xfrm>
+      </p:grpSpPr>
+      <p:sp>
+        <p:nvSpPr>
+          <p:cNvPr id="147" name="Google Shape;147;p9:notes"/>
+          <p:cNvSpPr>
+            <a:spLocks noGrp="1" noRot="1" noChangeAspect="1"/>
+          </p:cNvSpPr>
+          <p:nvPr>
+            <p:ph type="sldImg" idx="2"/>
+          </p:nvPr>
+        </p:nvSpPr>
+        <p:spPr>
+          <a:xfrm>
+            <a:off x="381000" y="685800"/>
+            <a:ext cx="6096000" cy="3429000"/>
+          </a:xfrm>
+          <a:custGeom>
+            <a:avLst/>
+            <a:gdLst/>
+            <a:ahLst/>
+            <a:cxnLst/>
+            <a:rect l="l" t="t" r="r" b="b"/>
+            <a:pathLst>
+              <a:path w="120000" h="120000" extrusionOk="0">
+                <a:moveTo>
+                  <a:pt x="0" y="0"/>
+                </a:moveTo>
+                <a:lnTo>
+                  <a:pt x="120000" y="0"/>
+                </a:lnTo>
+                <a:lnTo>
+                  <a:pt x="120000" y="120000"/>
+                </a:lnTo>
+                <a:lnTo>
+                  <a:pt x="0" y="120000"/>
+                </a:lnTo>
+                <a:close/>
+              </a:path>
+            </a:pathLst>
+          </a:custGeom>
+          <a:noFill/>
+          <a:ln w="9525" cap="flat" cmpd="sng">
+            <a:solidFill>
+              <a:srgbClr val="000000"/>
+            </a:solidFill>
+            <a:prstDash val="solid"/>
+            <a:round/>
+            <a:headEnd type="none" w="sm" len="sm"/>
+            <a:tailEnd type="none" w="sm" len="sm"/>
+          </a:ln>
+        </p:spPr>
+      </p:sp>
+      <p:sp>
+        <p:nvSpPr>
+          <p:cNvPr id="148" name="Google Shape;148;p9:notes"/>
+          <p:cNvSpPr txBox="1">
+            <a:spLocks noGrp="1"/>
+          </p:cNvSpPr>
+          <p:nvPr>
+            <p:ph type="body" idx="1"/>
+          </p:nvPr>
+        </p:nvSpPr>
+        <p:spPr>
+          <a:xfrm>
+            <a:off x="685800" y="4343400"/>
+            <a:ext cx="5486400" cy="4114800"/>
+          </a:xfrm>
+          <a:prstGeom prst="rect">
+            <a:avLst/>
+          </a:prstGeom>
+          <a:noFill/>
+          <a:ln>
+            <a:noFill/>
+          </a:ln>
+        </p:spPr>
+        <p:txBody>
+          <a:bodyPr spcFirstLastPara="1" wrap="square" lIns="91425" tIns="91425" rIns="91425" bIns="91425" anchor="t" anchorCtr="0">
+            <a:noAutofit/>
+          </a:bodyPr>
+          <a:lstStyle/>
+          <a:p>
+            <a:pPr marL="0" lvl="0" indent="0" algn="l" rtl="0">
+              <a:lnSpc>
+                <a:spcPct val="100000"/>
+              </a:lnSpc>
+              <a:spcBef>
+                <a:spcPts val="0"/>
+              </a:spcBef>
+              <a:spcAft>
+                <a:spcPts val="0"/>
+              </a:spcAft>
+              <a:buSzPts val="1100"/>
+              <a:buNone/>
+            </a:pPr>
+            <a:endParaRPr dirty="0"/>
           </a:p>
         </p:txBody>
       </p:sp>
@@ -14743,181 +14620,6 @@
   <p:cSld>
     <p:spTree>
       <p:nvGrpSpPr>
-        <p:cNvPr id="1" name="Shape 135"/>
-        <p:cNvGrpSpPr/>
-        <p:nvPr/>
-      </p:nvGrpSpPr>
-      <p:grpSpPr>
-        <a:xfrm>
-          <a:off x="0" y="0"/>
-          <a:ext cx="0" cy="0"/>
-          <a:chOff x="0" y="0"/>
-          <a:chExt cx="0" cy="0"/>
-        </a:xfrm>
-      </p:grpSpPr>
-      <p:pic>
-        <p:nvPicPr>
-          <p:cNvPr id="3" name="Picture 2">
-            <a:extLst>
-              <a:ext uri="{FF2B5EF4-FFF2-40B4-BE49-F238E27FC236}">
-                <a16:creationId xmlns:a16="http://schemas.microsoft.com/office/drawing/2014/main" id="{85FDAC49-3FBE-B539-97D5-8F9710266650}"/>
-              </a:ext>
-            </a:extLst>
-          </p:cNvPr>
-          <p:cNvPicPr>
-            <a:picLocks noChangeAspect="1"/>
-          </p:cNvPicPr>
-          <p:nvPr/>
-        </p:nvPicPr>
-        <p:blipFill rotWithShape="1">
-          <a:blip r:embed="rId3"/>
-          <a:srcRect l="1485" t="8218" r="5979" b="9072"/>
-          <a:stretch/>
-        </p:blipFill>
-        <p:spPr>
-          <a:xfrm>
-            <a:off x="289661" y="1258777"/>
-            <a:ext cx="8461438" cy="3378113"/>
-          </a:xfrm>
-          <a:prstGeom prst="rect">
-            <a:avLst/>
-          </a:prstGeom>
-        </p:spPr>
-      </p:pic>
-      <p:sp>
-        <p:nvSpPr>
-          <p:cNvPr id="4" name="Title 3">
-            <a:extLst>
-              <a:ext uri="{FF2B5EF4-FFF2-40B4-BE49-F238E27FC236}">
-                <a16:creationId xmlns:a16="http://schemas.microsoft.com/office/drawing/2014/main" id="{7E72E2B4-FF70-DA84-A57D-28EA05A2FED1}"/>
-              </a:ext>
-            </a:extLst>
-          </p:cNvPr>
-          <p:cNvSpPr>
-            <a:spLocks noGrp="1"/>
-          </p:cNvSpPr>
-          <p:nvPr>
-            <p:ph type="title"/>
-          </p:nvPr>
-        </p:nvSpPr>
-        <p:spPr>
-          <a:xfrm>
-            <a:off x="289661" y="295695"/>
-            <a:ext cx="8520600" cy="572700"/>
-          </a:xfrm>
-        </p:spPr>
-        <p:txBody>
-          <a:bodyPr>
-            <a:normAutofit fontScale="90000"/>
-          </a:bodyPr>
-          <a:lstStyle/>
-          <a:p>
-            <a:r>
-              <a:rPr lang="en-US" dirty="0"/>
-              <a:t>Solution Mind Map</a:t>
-            </a:r>
-          </a:p>
-        </p:txBody>
-      </p:sp>
-      <p:sp>
-        <p:nvSpPr>
-          <p:cNvPr id="138" name="Google Shape;138;p7"/>
-          <p:cNvSpPr txBox="1"/>
-          <p:nvPr/>
-        </p:nvSpPr>
-        <p:spPr>
-          <a:xfrm>
-            <a:off x="4079080" y="295695"/>
-            <a:ext cx="4943475" cy="871360"/>
-          </a:xfrm>
-          <a:prstGeom prst="rect">
-            <a:avLst/>
-          </a:prstGeom>
-          <a:noFill/>
-          <a:ln>
-            <a:noFill/>
-          </a:ln>
-        </p:spPr>
-        <p:txBody>
-          <a:bodyPr spcFirstLastPara="1" wrap="square" lIns="91425" tIns="91425" rIns="91425" bIns="91425" anchor="ctr" anchorCtr="0">
-            <a:noAutofit/>
-          </a:bodyPr>
-          <a:lstStyle/>
-          <a:p>
-            <a:pPr marL="0" marR="0" lvl="0" indent="0" algn="l" rtl="0">
-              <a:lnSpc>
-                <a:spcPct val="100000"/>
-              </a:lnSpc>
-              <a:spcBef>
-                <a:spcPts val="0"/>
-              </a:spcBef>
-              <a:spcAft>
-                <a:spcPts val="0"/>
-              </a:spcAft>
-              <a:buClr>
-                <a:srgbClr val="000000"/>
-              </a:buClr>
-              <a:buSzPts val="1200"/>
-              <a:buFont typeface="Arial"/>
-              <a:buNone/>
-            </a:pPr>
-            <a:r>
-              <a:rPr lang="en-US" sz="1050" b="0" i="0" u="none" strike="noStrike" cap="none" dirty="0">
-                <a:solidFill>
-                  <a:schemeClr val="accent1">
-                    <a:lumMod val="50000"/>
-                  </a:schemeClr>
-                </a:solidFill>
-                <a:latin typeface="Roboto Mono"/>
-                <a:ea typeface="Roboto Mono"/>
-                <a:cs typeface="Roboto Mono"/>
-                <a:sym typeface="Roboto Mono"/>
-              </a:rPr>
-              <a:t>Problem</a:t>
-            </a:r>
-            <a:r>
-              <a:rPr lang="en-US" sz="1050" b="0" i="0" u="none" strike="noStrike" cap="none" dirty="0">
-                <a:solidFill>
-                  <a:schemeClr val="tx1">
-                    <a:lumMod val="65000"/>
-                    <a:lumOff val="35000"/>
-                  </a:schemeClr>
-                </a:solidFill>
-                <a:latin typeface="Roboto Mono"/>
-                <a:ea typeface="Roboto Mono"/>
-                <a:cs typeface="Roboto Mono"/>
-                <a:sym typeface="Roboto Mono"/>
-              </a:rPr>
-              <a:t>: There is a need for a virtual shopping complex, where users can come, and shop for the products they need. Also, we need to display to the users various products that they might like. Also, the virtual space must be so designed that it attracts users, thereby increasing potential sales.</a:t>
-            </a:r>
-            <a:endParaRPr sz="1050" b="0" i="0" u="none" strike="noStrike" cap="none" dirty="0">
-              <a:solidFill>
-                <a:schemeClr val="tx1">
-                  <a:lumMod val="65000"/>
-                  <a:lumOff val="35000"/>
-                </a:schemeClr>
-              </a:solidFill>
-              <a:latin typeface="Roboto Mono"/>
-              <a:ea typeface="Roboto Mono"/>
-              <a:cs typeface="Roboto Mono"/>
-              <a:sym typeface="Roboto Mono"/>
-            </a:endParaRPr>
-          </a:p>
-        </p:txBody>
-      </p:sp>
-    </p:spTree>
-  </p:cSld>
-  <p:clrMapOvr>
-    <a:masterClrMapping/>
-  </p:clrMapOvr>
-</p:sld>
-</file>
-
-<file path=ppt/slides/slide11.xml><?xml version="1.0" encoding="utf-8"?>
-<p:sld xmlns:a="http://schemas.openxmlformats.org/drawingml/2006/main" xmlns:r="http://schemas.openxmlformats.org/officeDocument/2006/relationships" xmlns:p="http://schemas.openxmlformats.org/presentationml/2006/main">
-  <p:cSld>
-    <p:spTree>
-      <p:nvGrpSpPr>
         <p:cNvPr id="1" name=""/>
         <p:cNvGrpSpPr/>
         <p:nvPr/>
@@ -15216,7 +14918,7 @@
 </p:sld>
 </file>
 
-<file path=ppt/slides/slide12.xml><?xml version="1.0" encoding="utf-8"?>
+<file path=ppt/slides/slide11.xml><?xml version="1.0" encoding="utf-8"?>
 <p:sld xmlns:a="http://schemas.openxmlformats.org/drawingml/2006/main" xmlns:r="http://schemas.openxmlformats.org/officeDocument/2006/relationships" xmlns:p="http://schemas.openxmlformats.org/presentationml/2006/main">
   <p:cSld>
     <p:spTree>
@@ -15515,7 +15217,7 @@
 </p:sld>
 </file>
 
-<file path=ppt/slides/slide13.xml><?xml version="1.0" encoding="utf-8"?>
+<file path=ppt/slides/slide12.xml><?xml version="1.0" encoding="utf-8"?>
 <p:sld xmlns:a="http://schemas.openxmlformats.org/drawingml/2006/main" xmlns:r="http://schemas.openxmlformats.org/officeDocument/2006/relationships" xmlns:p="http://schemas.openxmlformats.org/presentationml/2006/main">
   <p:cSld>
     <p:spTree>
@@ -15639,7 +15341,7 @@
 </p:sld>
 </file>
 
-<file path=ppt/slides/slide14.xml><?xml version="1.0" encoding="utf-8"?>
+<file path=ppt/slides/slide13.xml><?xml version="1.0" encoding="utf-8"?>
 <p:sld xmlns:a="http://schemas.openxmlformats.org/drawingml/2006/main" xmlns:r="http://schemas.openxmlformats.org/officeDocument/2006/relationships" xmlns:p="http://schemas.openxmlformats.org/presentationml/2006/main">
   <p:cSld>
     <p:spTree>
@@ -17793,767 +17495,6 @@
   <p:cSld>
     <p:spTree>
       <p:nvGrpSpPr>
-        <p:cNvPr id="1" name="Shape 122"/>
-        <p:cNvGrpSpPr/>
-        <p:nvPr/>
-      </p:nvGrpSpPr>
-      <p:grpSpPr>
-        <a:xfrm>
-          <a:off x="0" y="0"/>
-          <a:ext cx="0" cy="0"/>
-          <a:chOff x="0" y="0"/>
-          <a:chExt cx="0" cy="0"/>
-        </a:xfrm>
-      </p:grpSpPr>
-      <p:sp>
-        <p:nvSpPr>
-          <p:cNvPr id="123" name="Google Shape;123;p5"/>
-          <p:cNvSpPr txBox="1"/>
-          <p:nvPr/>
-        </p:nvSpPr>
-        <p:spPr>
-          <a:xfrm>
-            <a:off x="135875" y="145275"/>
-            <a:ext cx="7513800" cy="720000"/>
-          </a:xfrm>
-          <a:prstGeom prst="rect">
-            <a:avLst/>
-          </a:prstGeom>
-          <a:noFill/>
-          <a:ln>
-            <a:noFill/>
-          </a:ln>
-        </p:spPr>
-        <p:txBody>
-          <a:bodyPr spcFirstLastPara="1" wrap="square" lIns="91425" tIns="91425" rIns="91425" bIns="91425" anchor="t" anchorCtr="0">
-            <a:noAutofit/>
-          </a:bodyPr>
-          <a:lstStyle/>
-          <a:p>
-            <a:pPr marL="0" marR="0" lvl="0" indent="0" algn="l" rtl="0">
-              <a:lnSpc>
-                <a:spcPct val="100000"/>
-              </a:lnSpc>
-              <a:spcBef>
-                <a:spcPts val="0"/>
-              </a:spcBef>
-              <a:spcAft>
-                <a:spcPts val="0"/>
-              </a:spcAft>
-              <a:buClr>
-                <a:srgbClr val="000000"/>
-              </a:buClr>
-              <a:buSzPts val="2400"/>
-              <a:buFont typeface="Arial"/>
-              <a:buNone/>
-            </a:pPr>
-            <a:r>
-              <a:rPr lang="en" sz="2400" b="1" i="0" u="none" strike="noStrike" cap="none">
-                <a:solidFill>
-                  <a:srgbClr val="000000"/>
-                </a:solidFill>
-                <a:latin typeface="Roboto Mono"/>
-                <a:ea typeface="Roboto Mono"/>
-                <a:cs typeface="Roboto Mono"/>
-                <a:sym typeface="Roboto Mono"/>
-              </a:rPr>
-              <a:t>Instructions (You Can Delete this Slide)</a:t>
-            </a:r>
-            <a:endParaRPr sz="2400" b="1" i="0" u="none" strike="noStrike" cap="none">
-              <a:solidFill>
-                <a:srgbClr val="000000"/>
-              </a:solidFill>
-              <a:latin typeface="Roboto Mono"/>
-              <a:ea typeface="Roboto Mono"/>
-              <a:cs typeface="Roboto Mono"/>
-              <a:sym typeface="Roboto Mono"/>
-            </a:endParaRPr>
-          </a:p>
-        </p:txBody>
-      </p:sp>
-      <p:sp>
-        <p:nvSpPr>
-          <p:cNvPr id="124" name="Google Shape;124;p5"/>
-          <p:cNvSpPr txBox="1"/>
-          <p:nvPr/>
-        </p:nvSpPr>
-        <p:spPr>
-          <a:xfrm>
-            <a:off x="75200" y="1127925"/>
-            <a:ext cx="8547000" cy="3002400"/>
-          </a:xfrm>
-          <a:prstGeom prst="rect">
-            <a:avLst/>
-          </a:prstGeom>
-          <a:noFill/>
-          <a:ln>
-            <a:noFill/>
-          </a:ln>
-        </p:spPr>
-        <p:txBody>
-          <a:bodyPr spcFirstLastPara="1" wrap="square" lIns="91425" tIns="91425" rIns="91425" bIns="91425" anchor="ctr" anchorCtr="0">
-            <a:noAutofit/>
-          </a:bodyPr>
-          <a:lstStyle/>
-          <a:p>
-            <a:pPr marL="0" marR="0" lvl="0" indent="0" algn="l" rtl="0">
-              <a:lnSpc>
-                <a:spcPct val="100000"/>
-              </a:lnSpc>
-              <a:spcBef>
-                <a:spcPts val="0"/>
-              </a:spcBef>
-              <a:spcAft>
-                <a:spcPts val="0"/>
-              </a:spcAft>
-              <a:buClr>
-                <a:srgbClr val="000000"/>
-              </a:buClr>
-              <a:buSzPts val="1200"/>
-              <a:buFont typeface="Arial"/>
-              <a:buNone/>
-            </a:pPr>
-            <a:r>
-              <a:rPr lang="en" sz="1200" b="0" i="0" u="none" strike="noStrike" cap="none">
-                <a:solidFill>
-                  <a:schemeClr val="dk1"/>
-                </a:solidFill>
-                <a:latin typeface="Roboto Mono"/>
-                <a:ea typeface="Roboto Mono"/>
-                <a:cs typeface="Roboto Mono"/>
-                <a:sym typeface="Roboto Mono"/>
-              </a:rPr>
-              <a:t>Dear Team,</a:t>
-            </a:r>
-            <a:endParaRPr sz="1200" b="0" i="0" u="none" strike="noStrike" cap="none">
-              <a:solidFill>
-                <a:schemeClr val="dk1"/>
-              </a:solidFill>
-              <a:latin typeface="Roboto Mono"/>
-              <a:ea typeface="Roboto Mono"/>
-              <a:cs typeface="Roboto Mono"/>
-              <a:sym typeface="Roboto Mono"/>
-            </a:endParaRPr>
-          </a:p>
-          <a:p>
-            <a:pPr marL="0" marR="0" lvl="0" indent="0" algn="l" rtl="0">
-              <a:lnSpc>
-                <a:spcPct val="100000"/>
-              </a:lnSpc>
-              <a:spcBef>
-                <a:spcPts val="0"/>
-              </a:spcBef>
-              <a:spcAft>
-                <a:spcPts val="0"/>
-              </a:spcAft>
-              <a:buClr>
-                <a:srgbClr val="000000"/>
-              </a:buClr>
-              <a:buSzPts val="1200"/>
-              <a:buFont typeface="Arial"/>
-              <a:buNone/>
-            </a:pPr>
-            <a:endParaRPr sz="1200" b="0" i="0" u="none" strike="noStrike" cap="none">
-              <a:solidFill>
-                <a:schemeClr val="dk1"/>
-              </a:solidFill>
-              <a:latin typeface="Roboto Mono"/>
-              <a:ea typeface="Roboto Mono"/>
-              <a:cs typeface="Roboto Mono"/>
-              <a:sym typeface="Roboto Mono"/>
-            </a:endParaRPr>
-          </a:p>
-          <a:p>
-            <a:pPr marL="0" marR="0" lvl="0" indent="0" algn="l" rtl="0">
-              <a:lnSpc>
-                <a:spcPct val="100000"/>
-              </a:lnSpc>
-              <a:spcBef>
-                <a:spcPts val="0"/>
-              </a:spcBef>
-              <a:spcAft>
-                <a:spcPts val="0"/>
-              </a:spcAft>
-              <a:buClr>
-                <a:srgbClr val="000000"/>
-              </a:buClr>
-              <a:buSzPts val="1200"/>
-              <a:buFont typeface="Arial"/>
-              <a:buNone/>
-            </a:pPr>
-            <a:r>
-              <a:rPr lang="en" sz="1200" b="0" i="0" u="none" strike="noStrike" cap="none">
-                <a:solidFill>
-                  <a:schemeClr val="dk1"/>
-                </a:solidFill>
-                <a:latin typeface="Roboto Mono"/>
-                <a:ea typeface="Roboto Mono"/>
-                <a:cs typeface="Roboto Mono"/>
-                <a:sym typeface="Roboto Mono"/>
-              </a:rPr>
-              <a:t>Congratulations on reaching this stage - We look forward to some amazing &amp; innovative solutions.</a:t>
-            </a:r>
-            <a:endParaRPr sz="1200" b="0" i="0" u="none" strike="noStrike" cap="none">
-              <a:solidFill>
-                <a:schemeClr val="dk1"/>
-              </a:solidFill>
-              <a:latin typeface="Roboto Mono"/>
-              <a:ea typeface="Roboto Mono"/>
-              <a:cs typeface="Roboto Mono"/>
-              <a:sym typeface="Roboto Mono"/>
-            </a:endParaRPr>
-          </a:p>
-          <a:p>
-            <a:pPr marL="0" marR="0" lvl="0" indent="0" algn="l" rtl="0">
-              <a:lnSpc>
-                <a:spcPct val="100000"/>
-              </a:lnSpc>
-              <a:spcBef>
-                <a:spcPts val="0"/>
-              </a:spcBef>
-              <a:spcAft>
-                <a:spcPts val="0"/>
-              </a:spcAft>
-              <a:buClr>
-                <a:srgbClr val="000000"/>
-              </a:buClr>
-              <a:buSzPts val="1200"/>
-              <a:buFont typeface="Arial"/>
-              <a:buNone/>
-            </a:pPr>
-            <a:endParaRPr sz="1200" b="0" i="0" u="none" strike="noStrike" cap="none">
-              <a:solidFill>
-                <a:schemeClr val="dk1"/>
-              </a:solidFill>
-              <a:latin typeface="Roboto Mono"/>
-              <a:ea typeface="Roboto Mono"/>
-              <a:cs typeface="Roboto Mono"/>
-              <a:sym typeface="Roboto Mono"/>
-            </a:endParaRPr>
-          </a:p>
-          <a:p>
-            <a:pPr marL="0" marR="0" lvl="0" indent="0" algn="l" rtl="0">
-              <a:lnSpc>
-                <a:spcPct val="100000"/>
-              </a:lnSpc>
-              <a:spcBef>
-                <a:spcPts val="0"/>
-              </a:spcBef>
-              <a:spcAft>
-                <a:spcPts val="0"/>
-              </a:spcAft>
-              <a:buClr>
-                <a:srgbClr val="000000"/>
-              </a:buClr>
-              <a:buSzPts val="1200"/>
-              <a:buFont typeface="Arial"/>
-              <a:buNone/>
-            </a:pPr>
-            <a:r>
-              <a:rPr lang="en" sz="1200" b="0" i="0" u="none" strike="noStrike" cap="none">
-                <a:solidFill>
-                  <a:schemeClr val="dk1"/>
-                </a:solidFill>
-                <a:latin typeface="Roboto Mono"/>
-                <a:ea typeface="Roboto Mono"/>
-                <a:cs typeface="Roboto Mono"/>
-                <a:sym typeface="Roboto Mono"/>
-              </a:rPr>
-              <a:t>Please find some important instructions before you begin to prepare your submission decks.</a:t>
-            </a:r>
-            <a:endParaRPr sz="1200" b="0" i="0" u="none" strike="noStrike" cap="none">
-              <a:solidFill>
-                <a:schemeClr val="dk1"/>
-              </a:solidFill>
-              <a:latin typeface="Roboto Mono"/>
-              <a:ea typeface="Roboto Mono"/>
-              <a:cs typeface="Roboto Mono"/>
-              <a:sym typeface="Roboto Mono"/>
-            </a:endParaRPr>
-          </a:p>
-          <a:p>
-            <a:pPr marL="0" marR="0" lvl="0" indent="0" algn="l" rtl="0">
-              <a:lnSpc>
-                <a:spcPct val="100000"/>
-              </a:lnSpc>
-              <a:spcBef>
-                <a:spcPts val="0"/>
-              </a:spcBef>
-              <a:spcAft>
-                <a:spcPts val="0"/>
-              </a:spcAft>
-              <a:buClr>
-                <a:srgbClr val="000000"/>
-              </a:buClr>
-              <a:buSzPts val="1200"/>
-              <a:buFont typeface="Arial"/>
-              <a:buNone/>
-            </a:pPr>
-            <a:endParaRPr sz="1200" b="0" i="0" u="none" strike="noStrike" cap="none">
-              <a:solidFill>
-                <a:schemeClr val="dk1"/>
-              </a:solidFill>
-              <a:latin typeface="Roboto Mono"/>
-              <a:ea typeface="Roboto Mono"/>
-              <a:cs typeface="Roboto Mono"/>
-              <a:sym typeface="Roboto Mono"/>
-            </a:endParaRPr>
-          </a:p>
-          <a:p>
-            <a:pPr marL="0" marR="0" lvl="0" indent="0" algn="l" rtl="0">
-              <a:lnSpc>
-                <a:spcPct val="100000"/>
-              </a:lnSpc>
-              <a:spcBef>
-                <a:spcPts val="0"/>
-              </a:spcBef>
-              <a:spcAft>
-                <a:spcPts val="0"/>
-              </a:spcAft>
-              <a:buClr>
-                <a:srgbClr val="000000"/>
-              </a:buClr>
-              <a:buSzPts val="1200"/>
-              <a:buFont typeface="Arial"/>
-              <a:buNone/>
-            </a:pPr>
-            <a:r>
-              <a:rPr lang="en" sz="1200" b="0" i="0" u="none" strike="noStrike" cap="none">
-                <a:solidFill>
-                  <a:schemeClr val="dk1"/>
-                </a:solidFill>
-                <a:latin typeface="Roboto Mono"/>
-                <a:ea typeface="Roboto Mono"/>
-                <a:cs typeface="Roboto Mono"/>
-                <a:sym typeface="Roboto Mono"/>
-              </a:rPr>
-              <a:t>Slide Limit     :  10 Slides of Content </a:t>
-            </a:r>
-            <a:r>
-              <a:rPr lang="en" sz="1200" b="1" i="0" u="none" strike="noStrike" cap="none">
-                <a:solidFill>
-                  <a:schemeClr val="dk1"/>
-                </a:solidFill>
-                <a:latin typeface="Roboto Mono"/>
-                <a:ea typeface="Roboto Mono"/>
-                <a:cs typeface="Roboto Mono"/>
-                <a:sym typeface="Roboto Mono"/>
-              </a:rPr>
-              <a:t>post (after)</a:t>
-            </a:r>
-            <a:r>
-              <a:rPr lang="en" sz="1200" b="0" i="0" u="none" strike="noStrike" cap="none">
-                <a:solidFill>
-                  <a:schemeClr val="dk1"/>
-                </a:solidFill>
-                <a:latin typeface="Roboto Mono"/>
-                <a:ea typeface="Roboto Mono"/>
-                <a:cs typeface="Roboto Mono"/>
-                <a:sym typeface="Roboto Mono"/>
-              </a:rPr>
-              <a:t> this Slide</a:t>
-            </a:r>
-            <a:endParaRPr sz="1200" b="0" i="0" u="none" strike="noStrike" cap="none">
-              <a:solidFill>
-                <a:schemeClr val="dk1"/>
-              </a:solidFill>
-              <a:latin typeface="Roboto Mono"/>
-              <a:ea typeface="Roboto Mono"/>
-              <a:cs typeface="Roboto Mono"/>
-              <a:sym typeface="Roboto Mono"/>
-            </a:endParaRPr>
-          </a:p>
-          <a:p>
-            <a:pPr marL="0" marR="0" lvl="0" indent="0" algn="l" rtl="0">
-              <a:lnSpc>
-                <a:spcPct val="100000"/>
-              </a:lnSpc>
-              <a:spcBef>
-                <a:spcPts val="0"/>
-              </a:spcBef>
-              <a:spcAft>
-                <a:spcPts val="0"/>
-              </a:spcAft>
-              <a:buClr>
-                <a:srgbClr val="000000"/>
-              </a:buClr>
-              <a:buSzPts val="1200"/>
-              <a:buFont typeface="Arial"/>
-              <a:buNone/>
-            </a:pPr>
-            <a:r>
-              <a:rPr lang="en" sz="1200" b="0" i="0" u="none" strike="noStrike" cap="none">
-                <a:solidFill>
-                  <a:schemeClr val="dk1"/>
-                </a:solidFill>
-                <a:latin typeface="Roboto Mono"/>
-                <a:ea typeface="Roboto Mono"/>
-                <a:cs typeface="Roboto Mono"/>
-                <a:sym typeface="Roboto Mono"/>
-              </a:rPr>
-              <a:t>Saving Format   :  Save the file as a PDF to ensure your formatting remains intact</a:t>
-            </a:r>
-            <a:endParaRPr sz="1200" b="0" i="0" u="none" strike="noStrike" cap="none">
-              <a:solidFill>
-                <a:schemeClr val="dk1"/>
-              </a:solidFill>
-              <a:latin typeface="Roboto Mono"/>
-              <a:ea typeface="Roboto Mono"/>
-              <a:cs typeface="Roboto Mono"/>
-              <a:sym typeface="Roboto Mono"/>
-            </a:endParaRPr>
-          </a:p>
-          <a:p>
-            <a:pPr marL="0" marR="0" lvl="0" indent="0" algn="l" rtl="0">
-              <a:lnSpc>
-                <a:spcPct val="100000"/>
-              </a:lnSpc>
-              <a:spcBef>
-                <a:spcPts val="0"/>
-              </a:spcBef>
-              <a:spcAft>
-                <a:spcPts val="0"/>
-              </a:spcAft>
-              <a:buClr>
-                <a:srgbClr val="000000"/>
-              </a:buClr>
-              <a:buSzPts val="1200"/>
-              <a:buFont typeface="Arial"/>
-              <a:buNone/>
-            </a:pPr>
-            <a:r>
-              <a:rPr lang="en" sz="1200" b="0" i="0" u="none" strike="noStrike" cap="none">
-                <a:solidFill>
-                  <a:schemeClr val="dk1"/>
-                </a:solidFill>
-                <a:latin typeface="Roboto Mono"/>
-                <a:ea typeface="Roboto Mono"/>
-                <a:cs typeface="Roboto Mono"/>
-                <a:sym typeface="Roboto Mono"/>
-              </a:rPr>
-              <a:t>Submission Guide:  Only the </a:t>
-            </a:r>
-            <a:r>
-              <a:rPr lang="en" sz="1200" b="1" i="0" u="none" strike="noStrike" cap="none">
-                <a:solidFill>
-                  <a:srgbClr val="980000"/>
-                </a:solidFill>
-                <a:latin typeface="Roboto Mono"/>
-                <a:ea typeface="Roboto Mono"/>
-                <a:cs typeface="Roboto Mono"/>
-                <a:sym typeface="Roboto Mono"/>
-              </a:rPr>
-              <a:t>‘Team Leader’</a:t>
-            </a:r>
-            <a:r>
-              <a:rPr lang="en" sz="1200" b="0" i="0" u="none" strike="noStrike" cap="none">
-                <a:solidFill>
-                  <a:schemeClr val="dk1"/>
-                </a:solidFill>
-                <a:latin typeface="Roboto Mono"/>
-                <a:ea typeface="Roboto Mono"/>
-                <a:cs typeface="Roboto Mono"/>
-                <a:sym typeface="Roboto Mono"/>
-              </a:rPr>
-              <a:t> will be able to submit the Deck.</a:t>
-            </a:r>
-            <a:endParaRPr sz="1200" b="0" i="0" u="none" strike="noStrike" cap="none">
-              <a:solidFill>
-                <a:schemeClr val="dk1"/>
-              </a:solidFill>
-              <a:latin typeface="Roboto Mono"/>
-              <a:ea typeface="Roboto Mono"/>
-              <a:cs typeface="Roboto Mono"/>
-              <a:sym typeface="Roboto Mono"/>
-            </a:endParaRPr>
-          </a:p>
-          <a:p>
-            <a:pPr marL="1371600" marR="0" lvl="0" indent="0" algn="l" rtl="0">
-              <a:lnSpc>
-                <a:spcPct val="100000"/>
-              </a:lnSpc>
-              <a:spcBef>
-                <a:spcPts val="0"/>
-              </a:spcBef>
-              <a:spcAft>
-                <a:spcPts val="0"/>
-              </a:spcAft>
-              <a:buClr>
-                <a:srgbClr val="000000"/>
-              </a:buClr>
-              <a:buSzPts val="1200"/>
-              <a:buFont typeface="Arial"/>
-              <a:buNone/>
-            </a:pPr>
-            <a:r>
-              <a:rPr lang="en" sz="1200" b="0" i="0" u="none" strike="noStrike" cap="none">
-                <a:solidFill>
-                  <a:schemeClr val="dk1"/>
-                </a:solidFill>
-                <a:latin typeface="Roboto Mono"/>
-                <a:ea typeface="Roboto Mono"/>
-                <a:cs typeface="Roboto Mono"/>
-                <a:sym typeface="Roboto Mono"/>
-              </a:rPr>
-              <a:t>    Only the latest submission will be considered as final </a:t>
-            </a:r>
-            <a:endParaRPr sz="1200" b="0" i="0" u="none" strike="noStrike" cap="none">
-              <a:solidFill>
-                <a:schemeClr val="dk1"/>
-              </a:solidFill>
-              <a:latin typeface="Roboto Mono"/>
-              <a:ea typeface="Roboto Mono"/>
-              <a:cs typeface="Roboto Mono"/>
-              <a:sym typeface="Roboto Mono"/>
-            </a:endParaRPr>
-          </a:p>
-          <a:p>
-            <a:pPr marL="0" marR="0" lvl="0" indent="0" algn="l" rtl="0">
-              <a:lnSpc>
-                <a:spcPct val="100000"/>
-              </a:lnSpc>
-              <a:spcBef>
-                <a:spcPts val="0"/>
-              </a:spcBef>
-              <a:spcAft>
-                <a:spcPts val="0"/>
-              </a:spcAft>
-              <a:buClr>
-                <a:srgbClr val="000000"/>
-              </a:buClr>
-              <a:buSzPts val="1200"/>
-              <a:buFont typeface="Arial"/>
-              <a:buNone/>
-            </a:pPr>
-            <a:r>
-              <a:rPr lang="en" sz="1200" b="0" i="0" u="none" strike="noStrike" cap="none">
-                <a:solidFill>
-                  <a:schemeClr val="dk1"/>
-                </a:solidFill>
-                <a:latin typeface="Roboto Mono"/>
-                <a:ea typeface="Roboto Mono"/>
-                <a:cs typeface="Roboto Mono"/>
-                <a:sym typeface="Roboto Mono"/>
-              </a:rPr>
-              <a:t>                   (You can keep updating your deck within the deadline)</a:t>
-            </a:r>
-            <a:endParaRPr sz="1200" b="0" i="0" u="none" strike="noStrike" cap="none">
-              <a:solidFill>
-                <a:schemeClr val="dk1"/>
-              </a:solidFill>
-              <a:latin typeface="Roboto Mono"/>
-              <a:ea typeface="Roboto Mono"/>
-              <a:cs typeface="Roboto Mono"/>
-              <a:sym typeface="Roboto Mono"/>
-            </a:endParaRPr>
-          </a:p>
-          <a:p>
-            <a:pPr marL="0" marR="0" lvl="0" indent="0" algn="l" rtl="0">
-              <a:lnSpc>
-                <a:spcPct val="100000"/>
-              </a:lnSpc>
-              <a:spcBef>
-                <a:spcPts val="0"/>
-              </a:spcBef>
-              <a:spcAft>
-                <a:spcPts val="0"/>
-              </a:spcAft>
-              <a:buClr>
-                <a:srgbClr val="000000"/>
-              </a:buClr>
-              <a:buSzPts val="1200"/>
-              <a:buFont typeface="Arial"/>
-              <a:buNone/>
-            </a:pPr>
-            <a:endParaRPr sz="1200" b="0" i="0" u="none" strike="noStrike" cap="none">
-              <a:solidFill>
-                <a:schemeClr val="dk1"/>
-              </a:solidFill>
-              <a:latin typeface="Roboto Mono"/>
-              <a:ea typeface="Roboto Mono"/>
-              <a:cs typeface="Roboto Mono"/>
-              <a:sym typeface="Roboto Mono"/>
-            </a:endParaRPr>
-          </a:p>
-          <a:p>
-            <a:pPr marL="0" marR="0" lvl="0" indent="0" algn="l" rtl="0">
-              <a:lnSpc>
-                <a:spcPct val="100000"/>
-              </a:lnSpc>
-              <a:spcBef>
-                <a:spcPts val="0"/>
-              </a:spcBef>
-              <a:spcAft>
-                <a:spcPts val="0"/>
-              </a:spcAft>
-              <a:buClr>
-                <a:srgbClr val="000000"/>
-              </a:buClr>
-              <a:buSzPts val="1200"/>
-              <a:buFont typeface="Arial"/>
-              <a:buNone/>
-            </a:pPr>
-            <a:endParaRPr sz="1200" b="0" i="0" u="none" strike="noStrike" cap="none">
-              <a:solidFill>
-                <a:schemeClr val="dk1"/>
-              </a:solidFill>
-              <a:latin typeface="Roboto Mono"/>
-              <a:ea typeface="Roboto Mono"/>
-              <a:cs typeface="Roboto Mono"/>
-              <a:sym typeface="Roboto Mono"/>
-            </a:endParaRPr>
-          </a:p>
-          <a:p>
-            <a:pPr marL="0" marR="0" lvl="0" indent="0" algn="l" rtl="0">
-              <a:lnSpc>
-                <a:spcPct val="100000"/>
-              </a:lnSpc>
-              <a:spcBef>
-                <a:spcPts val="0"/>
-              </a:spcBef>
-              <a:spcAft>
-                <a:spcPts val="0"/>
-              </a:spcAft>
-              <a:buClr>
-                <a:srgbClr val="000000"/>
-              </a:buClr>
-              <a:buSzPts val="1200"/>
-              <a:buFont typeface="Arial"/>
-              <a:buNone/>
-            </a:pPr>
-            <a:r>
-              <a:rPr lang="en" sz="1200" b="0" i="0" u="none" strike="noStrike" cap="none">
-                <a:solidFill>
-                  <a:schemeClr val="dk1"/>
-                </a:solidFill>
-                <a:latin typeface="Roboto Mono"/>
-                <a:ea typeface="Roboto Mono"/>
-                <a:cs typeface="Roboto Mono"/>
-                <a:sym typeface="Roboto Mono"/>
-              </a:rPr>
-              <a:t>Wishing you all the very best !</a:t>
-            </a:r>
-            <a:endParaRPr sz="1200" b="0" i="0" u="none" strike="noStrike" cap="none">
-              <a:solidFill>
-                <a:schemeClr val="dk1"/>
-              </a:solidFill>
-              <a:latin typeface="Roboto Mono"/>
-              <a:ea typeface="Roboto Mono"/>
-              <a:cs typeface="Roboto Mono"/>
-              <a:sym typeface="Roboto Mono"/>
-            </a:endParaRPr>
-          </a:p>
-          <a:p>
-            <a:pPr marL="0" marR="0" lvl="0" indent="0" algn="l" rtl="0">
-              <a:lnSpc>
-                <a:spcPct val="100000"/>
-              </a:lnSpc>
-              <a:spcBef>
-                <a:spcPts val="0"/>
-              </a:spcBef>
-              <a:spcAft>
-                <a:spcPts val="0"/>
-              </a:spcAft>
-              <a:buClr>
-                <a:srgbClr val="000000"/>
-              </a:buClr>
-              <a:buSzPts val="1200"/>
-              <a:buFont typeface="Arial"/>
-              <a:buNone/>
-            </a:pPr>
-            <a:endParaRPr sz="1200" b="0" i="0" u="none" strike="noStrike" cap="none">
-              <a:solidFill>
-                <a:schemeClr val="dk1"/>
-              </a:solidFill>
-              <a:latin typeface="Roboto Mono"/>
-              <a:ea typeface="Roboto Mono"/>
-              <a:cs typeface="Roboto Mono"/>
-              <a:sym typeface="Roboto Mono"/>
-            </a:endParaRPr>
-          </a:p>
-          <a:p>
-            <a:pPr marL="0" marR="0" lvl="0" indent="0" algn="l" rtl="0">
-              <a:lnSpc>
-                <a:spcPct val="100000"/>
-              </a:lnSpc>
-              <a:spcBef>
-                <a:spcPts val="0"/>
-              </a:spcBef>
-              <a:spcAft>
-                <a:spcPts val="0"/>
-              </a:spcAft>
-              <a:buClr>
-                <a:srgbClr val="000000"/>
-              </a:buClr>
-              <a:buSzPts val="1200"/>
-              <a:buFont typeface="Arial"/>
-              <a:buNone/>
-            </a:pPr>
-            <a:r>
-              <a:rPr lang="en" sz="1200" b="1" i="0" u="none" strike="noStrike" cap="none">
-                <a:solidFill>
-                  <a:schemeClr val="dk1"/>
-                </a:solidFill>
-                <a:latin typeface="Roboto Mono"/>
-                <a:ea typeface="Roboto Mono"/>
-                <a:cs typeface="Roboto Mono"/>
-                <a:sym typeface="Roboto Mono"/>
-              </a:rPr>
-              <a:t>Team Flipkart GRiD</a:t>
-            </a:r>
-            <a:endParaRPr sz="1200" b="1" i="0" u="none" strike="noStrike" cap="none">
-              <a:solidFill>
-                <a:schemeClr val="dk1"/>
-              </a:solidFill>
-              <a:latin typeface="Roboto Mono"/>
-              <a:ea typeface="Roboto Mono"/>
-              <a:cs typeface="Roboto Mono"/>
-              <a:sym typeface="Roboto Mono"/>
-            </a:endParaRPr>
-          </a:p>
-          <a:p>
-            <a:pPr marL="0" marR="0" lvl="0" indent="0" algn="l" rtl="0">
-              <a:lnSpc>
-                <a:spcPct val="100000"/>
-              </a:lnSpc>
-              <a:spcBef>
-                <a:spcPts val="0"/>
-              </a:spcBef>
-              <a:spcAft>
-                <a:spcPts val="0"/>
-              </a:spcAft>
-              <a:buClr>
-                <a:srgbClr val="000000"/>
-              </a:buClr>
-              <a:buSzPts val="1200"/>
-              <a:buFont typeface="Arial"/>
-              <a:buNone/>
-            </a:pPr>
-            <a:endParaRPr sz="1200" b="0" i="0" u="none" strike="noStrike" cap="none">
-              <a:solidFill>
-                <a:srgbClr val="000000"/>
-              </a:solidFill>
-              <a:latin typeface="Roboto Mono"/>
-              <a:ea typeface="Roboto Mono"/>
-              <a:cs typeface="Roboto Mono"/>
-              <a:sym typeface="Roboto Mono"/>
-            </a:endParaRPr>
-          </a:p>
-        </p:txBody>
-      </p:sp>
-    </p:spTree>
-  </p:cSld>
-  <p:clrMapOvr>
-    <a:masterClrMapping/>
-  </p:clrMapOvr>
-</p:sld>
-</file>
-
-<file path=ppt/slides/slide6.xml><?xml version="1.0" encoding="utf-8"?>
-<p:sld xmlns:a="http://schemas.openxmlformats.org/drawingml/2006/main" xmlns:r="http://schemas.openxmlformats.org/officeDocument/2006/relationships" xmlns:p="http://schemas.openxmlformats.org/presentationml/2006/main">
-  <p:cSld>
-    <p:spTree>
-      <p:nvGrpSpPr>
         <p:cNvPr id="1" name=""/>
         <p:cNvGrpSpPr/>
         <p:nvPr/>
@@ -18793,7 +17734,7 @@
 </p:sld>
 </file>
 
-<file path=ppt/slides/slide7.xml><?xml version="1.0" encoding="utf-8"?>
+<file path=ppt/slides/slide6.xml><?xml version="1.0" encoding="utf-8"?>
 <p:sld xmlns:a="http://schemas.openxmlformats.org/drawingml/2006/main" xmlns:r="http://schemas.openxmlformats.org/officeDocument/2006/relationships" xmlns:p="http://schemas.openxmlformats.org/presentationml/2006/main">
   <p:cSld>
     <p:spTree>
@@ -18983,6 +17924,333 @@
         <p14:creationId xmlns:p14="http://schemas.microsoft.com/office/powerpoint/2010/main" val="2346460814"/>
       </p:ext>
     </p:extLst>
+  </p:cSld>
+  <p:clrMapOvr>
+    <a:masterClrMapping/>
+  </p:clrMapOvr>
+</p:sld>
+</file>
+
+<file path=ppt/slides/slide7.xml><?xml version="1.0" encoding="utf-8"?>
+<p:sld xmlns:a="http://schemas.openxmlformats.org/drawingml/2006/main" xmlns:r="http://schemas.openxmlformats.org/officeDocument/2006/relationships" xmlns:p="http://schemas.openxmlformats.org/presentationml/2006/main">
+  <p:cSld>
+    <p:spTree>
+      <p:nvGrpSpPr>
+        <p:cNvPr id="1" name="Shape 128"/>
+        <p:cNvGrpSpPr/>
+        <p:nvPr/>
+      </p:nvGrpSpPr>
+      <p:grpSpPr>
+        <a:xfrm>
+          <a:off x="0" y="0"/>
+          <a:ext cx="0" cy="0"/>
+          <a:chOff x="0" y="0"/>
+          <a:chExt cx="0" cy="0"/>
+        </a:xfrm>
+      </p:grpSpPr>
+      <p:sp>
+        <p:nvSpPr>
+          <p:cNvPr id="130" name="Google Shape;130;p6"/>
+          <p:cNvSpPr txBox="1"/>
+          <p:nvPr/>
+        </p:nvSpPr>
+        <p:spPr>
+          <a:xfrm>
+            <a:off x="135875" y="145275"/>
+            <a:ext cx="7513800" cy="720000"/>
+          </a:xfrm>
+          <a:prstGeom prst="rect">
+            <a:avLst/>
+          </a:prstGeom>
+          <a:noFill/>
+          <a:ln>
+            <a:noFill/>
+          </a:ln>
+        </p:spPr>
+        <p:txBody>
+          <a:bodyPr spcFirstLastPara="1" wrap="square" lIns="91425" tIns="91425" rIns="91425" bIns="91425" anchor="t" anchorCtr="0">
+            <a:noAutofit/>
+          </a:bodyPr>
+          <a:lstStyle/>
+          <a:p>
+            <a:pPr marL="0" marR="0" lvl="0" indent="0" algn="l" rtl="0">
+              <a:lnSpc>
+                <a:spcPct val="100000"/>
+              </a:lnSpc>
+              <a:spcBef>
+                <a:spcPts val="0"/>
+              </a:spcBef>
+              <a:spcAft>
+                <a:spcPts val="0"/>
+              </a:spcAft>
+              <a:buClr>
+                <a:srgbClr val="000000"/>
+              </a:buClr>
+              <a:buSzPts val="2400"/>
+              <a:buFont typeface="Arial"/>
+              <a:buNone/>
+            </a:pPr>
+            <a:endParaRPr sz="2400" b="1" i="0" u="none" strike="noStrike" cap="none" dirty="0">
+              <a:solidFill>
+                <a:srgbClr val="000000"/>
+              </a:solidFill>
+              <a:latin typeface="Roboto Mono"/>
+              <a:ea typeface="Roboto Mono"/>
+              <a:cs typeface="Roboto Mono"/>
+              <a:sym typeface="Roboto Mono"/>
+            </a:endParaRPr>
+          </a:p>
+        </p:txBody>
+      </p:sp>
+      <p:sp>
+        <p:nvSpPr>
+          <p:cNvPr id="2" name="Title 1">
+            <a:extLst>
+              <a:ext uri="{FF2B5EF4-FFF2-40B4-BE49-F238E27FC236}">
+                <a16:creationId xmlns:a16="http://schemas.microsoft.com/office/drawing/2014/main" id="{218695CC-685D-1EE4-2E57-5C79DD10FF59}"/>
+              </a:ext>
+            </a:extLst>
+          </p:cNvPr>
+          <p:cNvSpPr>
+            <a:spLocks noGrp="1"/>
+          </p:cNvSpPr>
+          <p:nvPr>
+            <p:ph type="title"/>
+          </p:nvPr>
+        </p:nvSpPr>
+        <p:spPr>
+          <a:xfrm>
+            <a:off x="311700" y="218925"/>
+            <a:ext cx="8520600" cy="572700"/>
+          </a:xfrm>
+        </p:spPr>
+        <p:txBody>
+          <a:bodyPr>
+            <a:normAutofit fontScale="90000"/>
+          </a:bodyPr>
+          <a:lstStyle/>
+          <a:p>
+            <a:r>
+              <a:rPr lang="en-US" sz="2800" b="1" i="0" u="none" strike="noStrike" cap="none" dirty="0">
+                <a:solidFill>
+                  <a:srgbClr val="000000"/>
+                </a:solidFill>
+                <a:latin typeface="Roboto Mono"/>
+                <a:ea typeface="Roboto Mono"/>
+                <a:cs typeface="Roboto Mono"/>
+                <a:sym typeface="Roboto Mono"/>
+              </a:rPr>
+              <a:t>Use-cases</a:t>
+            </a:r>
+            <a:endParaRPr lang="en-US" dirty="0"/>
+          </a:p>
+        </p:txBody>
+      </p:sp>
+      <p:sp>
+        <p:nvSpPr>
+          <p:cNvPr id="3" name="Text Placeholder 2">
+            <a:extLst>
+              <a:ext uri="{FF2B5EF4-FFF2-40B4-BE49-F238E27FC236}">
+                <a16:creationId xmlns:a16="http://schemas.microsoft.com/office/drawing/2014/main" id="{DD44A380-1B73-927D-E349-4FC145C53F16}"/>
+              </a:ext>
+            </a:extLst>
+          </p:cNvPr>
+          <p:cNvSpPr>
+            <a:spLocks noGrp="1"/>
+          </p:cNvSpPr>
+          <p:nvPr>
+            <p:ph type="body" idx="1"/>
+          </p:nvPr>
+        </p:nvSpPr>
+        <p:spPr>
+          <a:xfrm>
+            <a:off x="311700" y="995313"/>
+            <a:ext cx="3999900" cy="3416400"/>
+          </a:xfrm>
+        </p:spPr>
+        <p:style>
+          <a:lnRef idx="2">
+            <a:schemeClr val="dk1"/>
+          </a:lnRef>
+          <a:fillRef idx="1">
+            <a:schemeClr val="lt1"/>
+          </a:fillRef>
+          <a:effectRef idx="0">
+            <a:schemeClr val="dk1"/>
+          </a:effectRef>
+          <a:fontRef idx="minor">
+            <a:schemeClr val="dk1"/>
+          </a:fontRef>
+        </p:style>
+        <p:txBody>
+          <a:bodyPr>
+            <a:normAutofit fontScale="92500"/>
+          </a:bodyPr>
+          <a:lstStyle/>
+          <a:p>
+            <a:pPr marL="139700" indent="0">
+              <a:buNone/>
+            </a:pPr>
+            <a:r>
+              <a:rPr lang="en-US" sz="1500" b="1" dirty="0"/>
+              <a:t>P0: Users can see different products as 3D models.</a:t>
+            </a:r>
+          </a:p>
+          <a:p>
+            <a:pPr marL="139700" indent="0">
+              <a:buNone/>
+            </a:pPr>
+            <a:endParaRPr lang="en-US" dirty="0"/>
+          </a:p>
+          <a:p>
+            <a:pPr marL="139700" indent="0">
+              <a:buNone/>
+            </a:pPr>
+            <a:r>
+              <a:rPr lang="en-US" dirty="0"/>
+              <a:t>The users will have the ability to view all the products in their 3D form against the 2D models used till date on ecommerce websites.</a:t>
+            </a:r>
+          </a:p>
+          <a:p>
+            <a:pPr marL="139700" indent="0">
+              <a:buNone/>
+            </a:pPr>
+            <a:endParaRPr lang="en-US" dirty="0"/>
+          </a:p>
+          <a:p>
+            <a:pPr marL="139700" indent="0">
+              <a:buNone/>
+            </a:pPr>
+            <a:r>
+              <a:rPr lang="en-US" dirty="0"/>
+              <a:t>This will allow them to have a better insight on how the product looks like in reality and provide the essence of offline shopping.</a:t>
+            </a:r>
+          </a:p>
+          <a:p>
+            <a:pPr marL="139700" indent="0">
+              <a:buNone/>
+            </a:pPr>
+            <a:endParaRPr lang="en-US" dirty="0"/>
+          </a:p>
+          <a:p>
+            <a:pPr marL="139700" indent="0">
+              <a:buNone/>
+            </a:pPr>
+            <a:r>
+              <a:rPr lang="en-US" dirty="0"/>
+              <a:t>Addition of 3rd dimension to the shopping experience will help us to attract new customers and increase in traffic on our platform.</a:t>
+            </a:r>
+          </a:p>
+        </p:txBody>
+      </p:sp>
+      <p:sp>
+        <p:nvSpPr>
+          <p:cNvPr id="4" name="Text Placeholder 3">
+            <a:extLst>
+              <a:ext uri="{FF2B5EF4-FFF2-40B4-BE49-F238E27FC236}">
+                <a16:creationId xmlns:a16="http://schemas.microsoft.com/office/drawing/2014/main" id="{00561B39-3666-B4F0-D3C3-9F2A2D70F211}"/>
+              </a:ext>
+            </a:extLst>
+          </p:cNvPr>
+          <p:cNvSpPr>
+            <a:spLocks noGrp="1"/>
+          </p:cNvSpPr>
+          <p:nvPr>
+            <p:ph type="body" idx="2"/>
+          </p:nvPr>
+        </p:nvSpPr>
+        <p:spPr>
+          <a:xfrm>
+            <a:off x="4832402" y="995313"/>
+            <a:ext cx="3999900" cy="3416400"/>
+          </a:xfrm>
+        </p:spPr>
+        <p:style>
+          <a:lnRef idx="2">
+            <a:schemeClr val="dk1"/>
+          </a:lnRef>
+          <a:fillRef idx="1">
+            <a:schemeClr val="lt1"/>
+          </a:fillRef>
+          <a:effectRef idx="0">
+            <a:schemeClr val="dk1"/>
+          </a:effectRef>
+          <a:fontRef idx="minor">
+            <a:schemeClr val="dk1"/>
+          </a:fontRef>
+        </p:style>
+        <p:txBody>
+          <a:bodyPr/>
+          <a:lstStyle/>
+          <a:p>
+            <a:pPr marL="139700" indent="0">
+              <a:buNone/>
+            </a:pPr>
+            <a:r>
+              <a:rPr lang="en-US" sz="1400" b="1" dirty="0"/>
+              <a:t>P1: Users can view product recommendations within the system</a:t>
+            </a:r>
+          </a:p>
+          <a:p>
+            <a:pPr marL="139700" indent="0">
+              <a:buNone/>
+            </a:pPr>
+            <a:endParaRPr lang="en-US" dirty="0"/>
+          </a:p>
+          <a:p>
+            <a:pPr marL="139700" indent="0">
+              <a:buNone/>
+            </a:pPr>
+            <a:r>
+              <a:rPr lang="en-US" dirty="0"/>
+              <a:t>The users will be displayed products based on the ones that are recommended for:</a:t>
+            </a:r>
+          </a:p>
+          <a:p>
+            <a:pPr marL="139700" indent="0">
+              <a:buNone/>
+            </a:pPr>
+            <a:endParaRPr lang="en-US" dirty="0"/>
+          </a:p>
+          <a:p>
+            <a:pPr marL="482600" indent="-342900">
+              <a:buFont typeface="+mj-lt"/>
+              <a:buAutoNum type="arabicPeriod"/>
+            </a:pPr>
+            <a:r>
+              <a:rPr lang="en-US" dirty="0"/>
+              <a:t>The users in a personalized manner (different for each user)</a:t>
+            </a:r>
+          </a:p>
+          <a:p>
+            <a:pPr marL="482600" indent="-342900">
+              <a:buFont typeface="+mj-lt"/>
+              <a:buAutoNum type="arabicPeriod"/>
+            </a:pPr>
+            <a:r>
+              <a:rPr lang="en-US" dirty="0"/>
+              <a:t>All users in general</a:t>
+            </a:r>
+          </a:p>
+          <a:p>
+            <a:pPr marL="482600" indent="-342900">
+              <a:buFont typeface="+mj-lt"/>
+              <a:buAutoNum type="arabicPeriod"/>
+            </a:pPr>
+            <a:endParaRPr lang="en-US" dirty="0"/>
+          </a:p>
+          <a:p>
+            <a:pPr marL="139700" indent="0">
+              <a:buNone/>
+            </a:pPr>
+            <a:r>
+              <a:rPr lang="en-US" dirty="0"/>
+              <a:t>So, users can browse the Cyberspace to get the recommendations, to buy the products they may need.</a:t>
+            </a:r>
+          </a:p>
+        </p:txBody>
+      </p:sp>
+    </p:spTree>
   </p:cSld>
   <p:clrMapOvr>
     <a:masterClrMapping/>
@@ -19063,333 +18331,6 @@
       </p:sp>
       <p:sp>
         <p:nvSpPr>
-          <p:cNvPr id="2" name="Title 1">
-            <a:extLst>
-              <a:ext uri="{FF2B5EF4-FFF2-40B4-BE49-F238E27FC236}">
-                <a16:creationId xmlns:a16="http://schemas.microsoft.com/office/drawing/2014/main" id="{218695CC-685D-1EE4-2E57-5C79DD10FF59}"/>
-              </a:ext>
-            </a:extLst>
-          </p:cNvPr>
-          <p:cNvSpPr>
-            <a:spLocks noGrp="1"/>
-          </p:cNvSpPr>
-          <p:nvPr>
-            <p:ph type="title"/>
-          </p:nvPr>
-        </p:nvSpPr>
-        <p:spPr>
-          <a:xfrm>
-            <a:off x="311700" y="218925"/>
-            <a:ext cx="8520600" cy="572700"/>
-          </a:xfrm>
-        </p:spPr>
-        <p:txBody>
-          <a:bodyPr>
-            <a:normAutofit fontScale="90000"/>
-          </a:bodyPr>
-          <a:lstStyle/>
-          <a:p>
-            <a:r>
-              <a:rPr lang="en-US" sz="2800" b="1" i="0" u="none" strike="noStrike" cap="none" dirty="0">
-                <a:solidFill>
-                  <a:srgbClr val="000000"/>
-                </a:solidFill>
-                <a:latin typeface="Roboto Mono"/>
-                <a:ea typeface="Roboto Mono"/>
-                <a:cs typeface="Roboto Mono"/>
-                <a:sym typeface="Roboto Mono"/>
-              </a:rPr>
-              <a:t>Use-cases</a:t>
-            </a:r>
-            <a:endParaRPr lang="en-US" dirty="0"/>
-          </a:p>
-        </p:txBody>
-      </p:sp>
-      <p:sp>
-        <p:nvSpPr>
-          <p:cNvPr id="3" name="Text Placeholder 2">
-            <a:extLst>
-              <a:ext uri="{FF2B5EF4-FFF2-40B4-BE49-F238E27FC236}">
-                <a16:creationId xmlns:a16="http://schemas.microsoft.com/office/drawing/2014/main" id="{DD44A380-1B73-927D-E349-4FC145C53F16}"/>
-              </a:ext>
-            </a:extLst>
-          </p:cNvPr>
-          <p:cNvSpPr>
-            <a:spLocks noGrp="1"/>
-          </p:cNvSpPr>
-          <p:nvPr>
-            <p:ph type="body" idx="1"/>
-          </p:nvPr>
-        </p:nvSpPr>
-        <p:spPr>
-          <a:xfrm>
-            <a:off x="311700" y="995313"/>
-            <a:ext cx="3999900" cy="3416400"/>
-          </a:xfrm>
-        </p:spPr>
-        <p:style>
-          <a:lnRef idx="2">
-            <a:schemeClr val="dk1"/>
-          </a:lnRef>
-          <a:fillRef idx="1">
-            <a:schemeClr val="lt1"/>
-          </a:fillRef>
-          <a:effectRef idx="0">
-            <a:schemeClr val="dk1"/>
-          </a:effectRef>
-          <a:fontRef idx="minor">
-            <a:schemeClr val="dk1"/>
-          </a:fontRef>
-        </p:style>
-        <p:txBody>
-          <a:bodyPr>
-            <a:normAutofit fontScale="92500"/>
-          </a:bodyPr>
-          <a:lstStyle/>
-          <a:p>
-            <a:pPr marL="139700" indent="0">
-              <a:buNone/>
-            </a:pPr>
-            <a:r>
-              <a:rPr lang="en-US" sz="1500" b="1" dirty="0"/>
-              <a:t>P0: Users can see different products as 3D models.</a:t>
-            </a:r>
-          </a:p>
-          <a:p>
-            <a:pPr marL="139700" indent="0">
-              <a:buNone/>
-            </a:pPr>
-            <a:endParaRPr lang="en-US" dirty="0"/>
-          </a:p>
-          <a:p>
-            <a:pPr marL="139700" indent="0">
-              <a:buNone/>
-            </a:pPr>
-            <a:r>
-              <a:rPr lang="en-US" dirty="0"/>
-              <a:t>The users will have the ability to view all the products in their 3D form against the 2D models used till date on ecommerce websites.</a:t>
-            </a:r>
-          </a:p>
-          <a:p>
-            <a:pPr marL="139700" indent="0">
-              <a:buNone/>
-            </a:pPr>
-            <a:endParaRPr lang="en-US" dirty="0"/>
-          </a:p>
-          <a:p>
-            <a:pPr marL="139700" indent="0">
-              <a:buNone/>
-            </a:pPr>
-            <a:r>
-              <a:rPr lang="en-US" dirty="0"/>
-              <a:t>This will allow them to have a better insight on how the product looks like in reality and provide the essence of offline shopping.</a:t>
-            </a:r>
-          </a:p>
-          <a:p>
-            <a:pPr marL="139700" indent="0">
-              <a:buNone/>
-            </a:pPr>
-            <a:endParaRPr lang="en-US" dirty="0"/>
-          </a:p>
-          <a:p>
-            <a:pPr marL="139700" indent="0">
-              <a:buNone/>
-            </a:pPr>
-            <a:r>
-              <a:rPr lang="en-US" dirty="0"/>
-              <a:t>Addition of 3rd dimension to the shopping experience will help us to attract new customers and increase in traffic on our platform.</a:t>
-            </a:r>
-          </a:p>
-        </p:txBody>
-      </p:sp>
-      <p:sp>
-        <p:nvSpPr>
-          <p:cNvPr id="4" name="Text Placeholder 3">
-            <a:extLst>
-              <a:ext uri="{FF2B5EF4-FFF2-40B4-BE49-F238E27FC236}">
-                <a16:creationId xmlns:a16="http://schemas.microsoft.com/office/drawing/2014/main" id="{00561B39-3666-B4F0-D3C3-9F2A2D70F211}"/>
-              </a:ext>
-            </a:extLst>
-          </p:cNvPr>
-          <p:cNvSpPr>
-            <a:spLocks noGrp="1"/>
-          </p:cNvSpPr>
-          <p:nvPr>
-            <p:ph type="body" idx="2"/>
-          </p:nvPr>
-        </p:nvSpPr>
-        <p:spPr>
-          <a:xfrm>
-            <a:off x="4832402" y="995313"/>
-            <a:ext cx="3999900" cy="3416400"/>
-          </a:xfrm>
-        </p:spPr>
-        <p:style>
-          <a:lnRef idx="2">
-            <a:schemeClr val="dk1"/>
-          </a:lnRef>
-          <a:fillRef idx="1">
-            <a:schemeClr val="lt1"/>
-          </a:fillRef>
-          <a:effectRef idx="0">
-            <a:schemeClr val="dk1"/>
-          </a:effectRef>
-          <a:fontRef idx="minor">
-            <a:schemeClr val="dk1"/>
-          </a:fontRef>
-        </p:style>
-        <p:txBody>
-          <a:bodyPr/>
-          <a:lstStyle/>
-          <a:p>
-            <a:pPr marL="139700" indent="0">
-              <a:buNone/>
-            </a:pPr>
-            <a:r>
-              <a:rPr lang="en-US" sz="1400" b="1" dirty="0"/>
-              <a:t>P1: Users can view product recommendations within the system</a:t>
-            </a:r>
-          </a:p>
-          <a:p>
-            <a:pPr marL="139700" indent="0">
-              <a:buNone/>
-            </a:pPr>
-            <a:endParaRPr lang="en-US" dirty="0"/>
-          </a:p>
-          <a:p>
-            <a:pPr marL="139700" indent="0">
-              <a:buNone/>
-            </a:pPr>
-            <a:r>
-              <a:rPr lang="en-US" dirty="0"/>
-              <a:t>The users will be displayed products based on the ones that are recommended for:</a:t>
-            </a:r>
-          </a:p>
-          <a:p>
-            <a:pPr marL="139700" indent="0">
-              <a:buNone/>
-            </a:pPr>
-            <a:endParaRPr lang="en-US" dirty="0"/>
-          </a:p>
-          <a:p>
-            <a:pPr marL="482600" indent="-342900">
-              <a:buFont typeface="+mj-lt"/>
-              <a:buAutoNum type="arabicPeriod"/>
-            </a:pPr>
-            <a:r>
-              <a:rPr lang="en-US" dirty="0"/>
-              <a:t>The users in a personalized manner (different for each user)</a:t>
-            </a:r>
-          </a:p>
-          <a:p>
-            <a:pPr marL="482600" indent="-342900">
-              <a:buFont typeface="+mj-lt"/>
-              <a:buAutoNum type="arabicPeriod"/>
-            </a:pPr>
-            <a:r>
-              <a:rPr lang="en-US" dirty="0"/>
-              <a:t>All users in general</a:t>
-            </a:r>
-          </a:p>
-          <a:p>
-            <a:pPr marL="482600" indent="-342900">
-              <a:buFont typeface="+mj-lt"/>
-              <a:buAutoNum type="arabicPeriod"/>
-            </a:pPr>
-            <a:endParaRPr lang="en-US" dirty="0"/>
-          </a:p>
-          <a:p>
-            <a:pPr marL="139700" indent="0">
-              <a:buNone/>
-            </a:pPr>
-            <a:r>
-              <a:rPr lang="en-US" dirty="0"/>
-              <a:t>So, users can browse the Cyberspace to get the recommendations, to buy the products they may need.</a:t>
-            </a:r>
-          </a:p>
-        </p:txBody>
-      </p:sp>
-    </p:spTree>
-  </p:cSld>
-  <p:clrMapOvr>
-    <a:masterClrMapping/>
-  </p:clrMapOvr>
-</p:sld>
-</file>
-
-<file path=ppt/slides/slide9.xml><?xml version="1.0" encoding="utf-8"?>
-<p:sld xmlns:a="http://schemas.openxmlformats.org/drawingml/2006/main" xmlns:r="http://schemas.openxmlformats.org/officeDocument/2006/relationships" xmlns:p="http://schemas.openxmlformats.org/presentationml/2006/main">
-  <p:cSld>
-    <p:spTree>
-      <p:nvGrpSpPr>
-        <p:cNvPr id="1" name="Shape 128"/>
-        <p:cNvGrpSpPr/>
-        <p:nvPr/>
-      </p:nvGrpSpPr>
-      <p:grpSpPr>
-        <a:xfrm>
-          <a:off x="0" y="0"/>
-          <a:ext cx="0" cy="0"/>
-          <a:chOff x="0" y="0"/>
-          <a:chExt cx="0" cy="0"/>
-        </a:xfrm>
-      </p:grpSpPr>
-      <p:sp>
-        <p:nvSpPr>
-          <p:cNvPr id="130" name="Google Shape;130;p6"/>
-          <p:cNvSpPr txBox="1"/>
-          <p:nvPr/>
-        </p:nvSpPr>
-        <p:spPr>
-          <a:xfrm>
-            <a:off x="135875" y="145275"/>
-            <a:ext cx="7513800" cy="720000"/>
-          </a:xfrm>
-          <a:prstGeom prst="rect">
-            <a:avLst/>
-          </a:prstGeom>
-          <a:noFill/>
-          <a:ln>
-            <a:noFill/>
-          </a:ln>
-        </p:spPr>
-        <p:txBody>
-          <a:bodyPr spcFirstLastPara="1" wrap="square" lIns="91425" tIns="91425" rIns="91425" bIns="91425" anchor="t" anchorCtr="0">
-            <a:noAutofit/>
-          </a:bodyPr>
-          <a:lstStyle/>
-          <a:p>
-            <a:pPr marL="0" marR="0" lvl="0" indent="0" algn="l" rtl="0">
-              <a:lnSpc>
-                <a:spcPct val="100000"/>
-              </a:lnSpc>
-              <a:spcBef>
-                <a:spcPts val="0"/>
-              </a:spcBef>
-              <a:spcAft>
-                <a:spcPts val="0"/>
-              </a:spcAft>
-              <a:buClr>
-                <a:srgbClr val="000000"/>
-              </a:buClr>
-              <a:buSzPts val="2400"/>
-              <a:buFont typeface="Arial"/>
-              <a:buNone/>
-            </a:pPr>
-            <a:endParaRPr sz="2400" b="1" i="0" u="none" strike="noStrike" cap="none" dirty="0">
-              <a:solidFill>
-                <a:srgbClr val="000000"/>
-              </a:solidFill>
-              <a:latin typeface="Roboto Mono"/>
-              <a:ea typeface="Roboto Mono"/>
-              <a:cs typeface="Roboto Mono"/>
-              <a:sym typeface="Roboto Mono"/>
-            </a:endParaRPr>
-          </a:p>
-        </p:txBody>
-      </p:sp>
-      <p:sp>
-        <p:nvSpPr>
           <p:cNvPr id="3" name="Text Placeholder 2">
             <a:extLst>
               <a:ext uri="{FF2B5EF4-FFF2-40B4-BE49-F238E27FC236}">
@@ -19579,6 +18520,181 @@
         <p14:creationId xmlns:p14="http://schemas.microsoft.com/office/powerpoint/2010/main" val="3176435718"/>
       </p:ext>
     </p:extLst>
+  </p:cSld>
+  <p:clrMapOvr>
+    <a:masterClrMapping/>
+  </p:clrMapOvr>
+</p:sld>
+</file>
+
+<file path=ppt/slides/slide9.xml><?xml version="1.0" encoding="utf-8"?>
+<p:sld xmlns:a="http://schemas.openxmlformats.org/drawingml/2006/main" xmlns:r="http://schemas.openxmlformats.org/officeDocument/2006/relationships" xmlns:p="http://schemas.openxmlformats.org/presentationml/2006/main">
+  <p:cSld>
+    <p:spTree>
+      <p:nvGrpSpPr>
+        <p:cNvPr id="1" name="Shape 135"/>
+        <p:cNvGrpSpPr/>
+        <p:nvPr/>
+      </p:nvGrpSpPr>
+      <p:grpSpPr>
+        <a:xfrm>
+          <a:off x="0" y="0"/>
+          <a:ext cx="0" cy="0"/>
+          <a:chOff x="0" y="0"/>
+          <a:chExt cx="0" cy="0"/>
+        </a:xfrm>
+      </p:grpSpPr>
+      <p:pic>
+        <p:nvPicPr>
+          <p:cNvPr id="3" name="Picture 2">
+            <a:extLst>
+              <a:ext uri="{FF2B5EF4-FFF2-40B4-BE49-F238E27FC236}">
+                <a16:creationId xmlns:a16="http://schemas.microsoft.com/office/drawing/2014/main" id="{85FDAC49-3FBE-B539-97D5-8F9710266650}"/>
+              </a:ext>
+            </a:extLst>
+          </p:cNvPr>
+          <p:cNvPicPr>
+            <a:picLocks noChangeAspect="1"/>
+          </p:cNvPicPr>
+          <p:nvPr/>
+        </p:nvPicPr>
+        <p:blipFill rotWithShape="1">
+          <a:blip r:embed="rId3"/>
+          <a:srcRect l="1485" t="8218" r="5979" b="9072"/>
+          <a:stretch/>
+        </p:blipFill>
+        <p:spPr>
+          <a:xfrm>
+            <a:off x="289661" y="1258777"/>
+            <a:ext cx="8461438" cy="3378113"/>
+          </a:xfrm>
+          <a:prstGeom prst="rect">
+            <a:avLst/>
+          </a:prstGeom>
+        </p:spPr>
+      </p:pic>
+      <p:sp>
+        <p:nvSpPr>
+          <p:cNvPr id="4" name="Title 3">
+            <a:extLst>
+              <a:ext uri="{FF2B5EF4-FFF2-40B4-BE49-F238E27FC236}">
+                <a16:creationId xmlns:a16="http://schemas.microsoft.com/office/drawing/2014/main" id="{7E72E2B4-FF70-DA84-A57D-28EA05A2FED1}"/>
+              </a:ext>
+            </a:extLst>
+          </p:cNvPr>
+          <p:cNvSpPr>
+            <a:spLocks noGrp="1"/>
+          </p:cNvSpPr>
+          <p:nvPr>
+            <p:ph type="title"/>
+          </p:nvPr>
+        </p:nvSpPr>
+        <p:spPr>
+          <a:xfrm>
+            <a:off x="289661" y="295695"/>
+            <a:ext cx="8520600" cy="572700"/>
+          </a:xfrm>
+        </p:spPr>
+        <p:txBody>
+          <a:bodyPr>
+            <a:normAutofit fontScale="90000"/>
+          </a:bodyPr>
+          <a:lstStyle/>
+          <a:p>
+            <a:r>
+              <a:rPr lang="en-US" dirty="0"/>
+              <a:t>Solution Mind Map</a:t>
+            </a:r>
+          </a:p>
+        </p:txBody>
+      </p:sp>
+      <p:sp>
+        <p:nvSpPr>
+          <p:cNvPr id="138" name="Google Shape;138;p7"/>
+          <p:cNvSpPr txBox="1"/>
+          <p:nvPr/>
+        </p:nvSpPr>
+        <p:spPr>
+          <a:xfrm>
+            <a:off x="4079080" y="295695"/>
+            <a:ext cx="4943475" cy="871360"/>
+          </a:xfrm>
+          <a:prstGeom prst="rect">
+            <a:avLst/>
+          </a:prstGeom>
+          <a:noFill/>
+          <a:ln>
+            <a:noFill/>
+          </a:ln>
+        </p:spPr>
+        <p:txBody>
+          <a:bodyPr spcFirstLastPara="1" wrap="square" lIns="91425" tIns="91425" rIns="91425" bIns="91425" anchor="ctr" anchorCtr="0">
+            <a:noAutofit/>
+          </a:bodyPr>
+          <a:lstStyle/>
+          <a:p>
+            <a:pPr marL="0" marR="0" lvl="0" indent="0" algn="l" rtl="0">
+              <a:lnSpc>
+                <a:spcPct val="100000"/>
+              </a:lnSpc>
+              <a:spcBef>
+                <a:spcPts val="0"/>
+              </a:spcBef>
+              <a:spcAft>
+                <a:spcPts val="0"/>
+              </a:spcAft>
+              <a:buClr>
+                <a:srgbClr val="000000"/>
+              </a:buClr>
+              <a:buSzPts val="1200"/>
+              <a:buFont typeface="Arial"/>
+              <a:buNone/>
+            </a:pPr>
+            <a:r>
+              <a:rPr lang="en-US" sz="1050" b="0" i="0" u="none" strike="noStrike" cap="none" dirty="0">
+                <a:solidFill>
+                  <a:schemeClr val="accent1">
+                    <a:lumMod val="50000"/>
+                  </a:schemeClr>
+                </a:solidFill>
+                <a:latin typeface="Roboto Mono"/>
+                <a:ea typeface="Roboto Mono"/>
+                <a:cs typeface="Roboto Mono"/>
+                <a:sym typeface="Roboto Mono"/>
+              </a:rPr>
+              <a:t>Problem</a:t>
+            </a:r>
+            <a:r>
+              <a:rPr lang="en-US" sz="1050" b="0" i="0" u="none" strike="noStrike" cap="none" dirty="0">
+                <a:solidFill>
+                  <a:schemeClr val="tx1">
+                    <a:lumMod val="65000"/>
+                    <a:lumOff val="35000"/>
+                  </a:schemeClr>
+                </a:solidFill>
+                <a:latin typeface="Roboto Mono"/>
+                <a:ea typeface="Roboto Mono"/>
+                <a:cs typeface="Roboto Mono"/>
+                <a:sym typeface="Roboto Mono"/>
+              </a:rPr>
+              <a:t>: There is a need for a virtual shopping complex, where users can come, and shop for the products they need. Also, we need to display to the users various products that they might like. Also, the virtual space must be so designed that it attracts users, thereby increasing potential sales.</a:t>
+            </a:r>
+            <a:endParaRPr sz="1050" b="0" i="0" u="none" strike="noStrike" cap="none" dirty="0">
+              <a:solidFill>
+                <a:schemeClr val="tx1">
+                  <a:lumMod val="65000"/>
+                  <a:lumOff val="35000"/>
+                </a:schemeClr>
+              </a:solidFill>
+              <a:latin typeface="Roboto Mono"/>
+              <a:ea typeface="Roboto Mono"/>
+              <a:cs typeface="Roboto Mono"/>
+              <a:sym typeface="Roboto Mono"/>
+            </a:endParaRPr>
+          </a:p>
+        </p:txBody>
+      </p:sp>
+    </p:spTree>
   </p:cSld>
   <p:clrMapOvr>
     <a:masterClrMapping/>
